--- a/Nature/figures.pptx
+++ b/Nature/figures.pptx
@@ -7,7 +7,8 @@
   <p:sldIdLst>
     <p:sldId id="256" r:id="rId2"/>
     <p:sldId id="258" r:id="rId3"/>
-    <p:sldId id="257" r:id="rId4"/>
+    <p:sldId id="259" r:id="rId4"/>
+    <p:sldId id="257" r:id="rId5"/>
   </p:sldIdLst>
   <p:sldSz cx="9601200" cy="12801600" type="A3"/>
   <p:notesSz cx="6858000" cy="9144000"/>
@@ -245,7 +246,7 @@
           <a:p>
             <a:fld id="{9BF37CAF-DAD9-447A-84B9-D54918012BD3}" type="datetimeFigureOut">
               <a:rPr lang="en-US" smtClean="0"/>
-              <a:t>6/30/2015</a:t>
+              <a:t>7/1/2015</a:t>
             </a:fld>
             <a:endParaRPr lang="en-US"/>
           </a:p>
@@ -415,7 +416,7 @@
           <a:p>
             <a:fld id="{9BF37CAF-DAD9-447A-84B9-D54918012BD3}" type="datetimeFigureOut">
               <a:rPr lang="en-US" smtClean="0"/>
-              <a:t>6/30/2015</a:t>
+              <a:t>7/1/2015</a:t>
             </a:fld>
             <a:endParaRPr lang="en-US"/>
           </a:p>
@@ -595,7 +596,7 @@
           <a:p>
             <a:fld id="{9BF37CAF-DAD9-447A-84B9-D54918012BD3}" type="datetimeFigureOut">
               <a:rPr lang="en-US" smtClean="0"/>
-              <a:t>6/30/2015</a:t>
+              <a:t>7/1/2015</a:t>
             </a:fld>
             <a:endParaRPr lang="en-US"/>
           </a:p>
@@ -765,7 +766,7 @@
           <a:p>
             <a:fld id="{9BF37CAF-DAD9-447A-84B9-D54918012BD3}" type="datetimeFigureOut">
               <a:rPr lang="en-US" smtClean="0"/>
-              <a:t>6/30/2015</a:t>
+              <a:t>7/1/2015</a:t>
             </a:fld>
             <a:endParaRPr lang="en-US"/>
           </a:p>
@@ -1009,7 +1010,7 @@
           <a:p>
             <a:fld id="{9BF37CAF-DAD9-447A-84B9-D54918012BD3}" type="datetimeFigureOut">
               <a:rPr lang="en-US" smtClean="0"/>
-              <a:t>6/30/2015</a:t>
+              <a:t>7/1/2015</a:t>
             </a:fld>
             <a:endParaRPr lang="en-US"/>
           </a:p>
@@ -1241,7 +1242,7 @@
           <a:p>
             <a:fld id="{9BF37CAF-DAD9-447A-84B9-D54918012BD3}" type="datetimeFigureOut">
               <a:rPr lang="en-US" smtClean="0"/>
-              <a:t>6/30/2015</a:t>
+              <a:t>7/1/2015</a:t>
             </a:fld>
             <a:endParaRPr lang="en-US"/>
           </a:p>
@@ -1608,7 +1609,7 @@
           <a:p>
             <a:fld id="{9BF37CAF-DAD9-447A-84B9-D54918012BD3}" type="datetimeFigureOut">
               <a:rPr lang="en-US" smtClean="0"/>
-              <a:t>6/30/2015</a:t>
+              <a:t>7/1/2015</a:t>
             </a:fld>
             <a:endParaRPr lang="en-US"/>
           </a:p>
@@ -1726,7 +1727,7 @@
           <a:p>
             <a:fld id="{9BF37CAF-DAD9-447A-84B9-D54918012BD3}" type="datetimeFigureOut">
               <a:rPr lang="en-US" smtClean="0"/>
-              <a:t>6/30/2015</a:t>
+              <a:t>7/1/2015</a:t>
             </a:fld>
             <a:endParaRPr lang="en-US"/>
           </a:p>
@@ -1821,7 +1822,7 @@
           <a:p>
             <a:fld id="{9BF37CAF-DAD9-447A-84B9-D54918012BD3}" type="datetimeFigureOut">
               <a:rPr lang="en-US" smtClean="0"/>
-              <a:t>6/30/2015</a:t>
+              <a:t>7/1/2015</a:t>
             </a:fld>
             <a:endParaRPr lang="en-US"/>
           </a:p>
@@ -2098,7 +2099,7 @@
           <a:p>
             <a:fld id="{9BF37CAF-DAD9-447A-84B9-D54918012BD3}" type="datetimeFigureOut">
               <a:rPr lang="en-US" smtClean="0"/>
-              <a:t>6/30/2015</a:t>
+              <a:t>7/1/2015</a:t>
             </a:fld>
             <a:endParaRPr lang="en-US"/>
           </a:p>
@@ -2355,7 +2356,7 @@
           <a:p>
             <a:fld id="{9BF37CAF-DAD9-447A-84B9-D54918012BD3}" type="datetimeFigureOut">
               <a:rPr lang="en-US" smtClean="0"/>
-              <a:t>6/30/2015</a:t>
+              <a:t>7/1/2015</a:t>
             </a:fld>
             <a:endParaRPr lang="en-US"/>
           </a:p>
@@ -2568,7 +2569,7 @@
           <a:p>
             <a:fld id="{9BF37CAF-DAD9-447A-84B9-D54918012BD3}" type="datetimeFigureOut">
               <a:rPr lang="en-US" smtClean="0"/>
-              <a:t>6/30/2015</a:t>
+              <a:t>7/1/2015</a:t>
             </a:fld>
             <a:endParaRPr lang="en-US"/>
           </a:p>
@@ -5932,8 +5933,8 @@
             </p:txBody>
           </p:sp>
         </p:grpSp>
-        <mc:AlternateContent xmlns:mc="http://schemas.openxmlformats.org/markup-compatibility/2006">
-          <mc:Choice xmlns:a14="http://schemas.microsoft.com/office/drawing/2010/main" Requires="a14">
+        <mc:AlternateContent xmlns:mc="http://schemas.openxmlformats.org/markup-compatibility/2006" xmlns:a14="http://schemas.microsoft.com/office/drawing/2010/main">
+          <mc:Choice Requires="a14">
             <p:sp>
               <p:nvSpPr>
                 <p:cNvPr id="66" name="TextBox 65"/>
@@ -6032,7 +6033,7 @@
               </p:txBody>
             </p:sp>
           </mc:Choice>
-          <mc:Fallback>
+          <mc:Fallback xmlns="">
             <p:sp>
               <p:nvSpPr>
                 <p:cNvPr id="66" name="TextBox 65"/>
@@ -6083,7 +6084,7 @@
             <p:spPr>
               <a:xfrm>
                 <a:off x="694874" y="9794098"/>
-                <a:ext cx="8211452" cy="523220"/>
+                <a:ext cx="8211452" cy="738664"/>
               </a:xfrm>
               <a:prstGeom prst="rect">
                 <a:avLst/>
@@ -6101,7 +6102,35 @@
                     <a:latin typeface="Times New Roman" panose="02020603050405020304" pitchFamily="18" charset="0"/>
                     <a:cs typeface="Times New Roman" panose="02020603050405020304" pitchFamily="18" charset="0"/>
                   </a:rPr>
-                  <a:t>Figure 1: A multi-agent fire fighting scenario set up as a global game.  Each player's imperfect estimate of the task is represented by </a:t>
+                  <a:t>Figure 1: A multi-agent fire fighting scenario set up as a global </a:t>
+                </a:r>
+                <a:r>
+                  <a:rPr lang="en-US" sz="1400" dirty="0" smtClean="0">
+                    <a:latin typeface="Times New Roman" panose="02020603050405020304" pitchFamily="18" charset="0"/>
+                    <a:cs typeface="Times New Roman" panose="02020603050405020304" pitchFamily="18" charset="0"/>
+                  </a:rPr>
+                  <a:t>game with concurrent benefit.  </a:t>
+                </a:r>
+                <a:r>
+                  <a:rPr lang="en-US" sz="1400" dirty="0">
+                    <a:latin typeface="Times New Roman" panose="02020603050405020304" pitchFamily="18" charset="0"/>
+                    <a:cs typeface="Times New Roman" panose="02020603050405020304" pitchFamily="18" charset="0"/>
+                  </a:rPr>
+                  <a:t>Each player's imperfect estimate of the </a:t>
+                </a:r>
+                <a:r>
+                  <a:rPr lang="en-US" sz="1400" dirty="0" smtClean="0">
+                    <a:latin typeface="Times New Roman" panose="02020603050405020304" pitchFamily="18" charset="0"/>
+                    <a:cs typeface="Times New Roman" panose="02020603050405020304" pitchFamily="18" charset="0"/>
+                  </a:rPr>
+                  <a:t>magnitude of the fire is </a:t>
+                </a:r>
+                <a:r>
+                  <a:rPr lang="en-US" sz="1400" dirty="0">
+                    <a:latin typeface="Times New Roman" panose="02020603050405020304" pitchFamily="18" charset="0"/>
+                    <a:cs typeface="Times New Roman" panose="02020603050405020304" pitchFamily="18" charset="0"/>
+                  </a:rPr>
+                  <a:t>represented by </a:t>
                 </a:r>
                 <a14:m>
                   <m:oMath xmlns:m="http://schemas.openxmlformats.org/officeDocument/2006/math">
@@ -6137,28 +6166,21 @@
                     <a:latin typeface="Times New Roman" panose="02020603050405020304" pitchFamily="18" charset="0"/>
                     <a:cs typeface="Times New Roman" panose="02020603050405020304" pitchFamily="18" charset="0"/>
                   </a:rPr>
-                  <a:t>, a sum of the </a:t>
+                  <a:t>, </a:t>
                 </a:r>
                 <a:r>
                   <a:rPr lang="en-US" sz="1400" dirty="0" smtClean="0">
                     <a:latin typeface="Times New Roman" panose="02020603050405020304" pitchFamily="18" charset="0"/>
                     <a:cs typeface="Times New Roman" panose="02020603050405020304" pitchFamily="18" charset="0"/>
                   </a:rPr>
-                  <a:t>common </a:t>
+                  <a:t>comprising the </a:t>
                 </a:r>
                 <a:r>
                   <a:rPr lang="en-US" sz="1400" dirty="0" smtClean="0">
                     <a:latin typeface="Times New Roman" panose="02020603050405020304" pitchFamily="18" charset="0"/>
                     <a:cs typeface="Times New Roman" panose="02020603050405020304" pitchFamily="18" charset="0"/>
                   </a:rPr>
-                  <a:t>stimulus</a:t>
-                </a:r>
-                <a:r>
-                  <a:rPr lang="en-US" sz="1400" dirty="0" smtClean="0">
-                    <a:latin typeface="Times New Roman" panose="02020603050405020304" pitchFamily="18" charset="0"/>
-                    <a:cs typeface="Times New Roman" panose="02020603050405020304" pitchFamily="18" charset="0"/>
-                  </a:rPr>
-                  <a:t> </a:t>
+                  <a:t>common stimulus </a:t>
                 </a:r>
                 <a14:m>
                   <m:oMath xmlns:m="http://schemas.openxmlformats.org/officeDocument/2006/math">
@@ -6167,12 +6189,6 @@
                         <a:latin typeface="Cambria Math" panose="02040503050406030204" pitchFamily="18" charset="0"/>
                       </a:rPr>
                       <m:t>𝜏</m:t>
-                    </m:r>
-                    <m:r>
-                      <a:rPr lang="en-US" sz="1400" i="1">
-                        <a:latin typeface="Cambria Math" panose="02040503050406030204" pitchFamily="18" charset="0"/>
-                      </a:rPr>
-                      <m:t>,</m:t>
                     </m:r>
                   </m:oMath>
                 </a14:m>
@@ -6242,7 +6258,7 @@
             <p:spPr>
               <a:xfrm>
                 <a:off x="694874" y="9794098"/>
-                <a:ext cx="8211452" cy="523220"/>
+                <a:ext cx="8211452" cy="738664"/>
               </a:xfrm>
               <a:prstGeom prst="rect">
                 <a:avLst/>
@@ -6250,7 +6266,7 @@
               <a:blipFill rotWithShape="0">
                 <a:blip r:embed="rId11"/>
                 <a:stretch>
-                  <a:fillRect l="-223" t="-2353" b="-11765"/>
+                  <a:fillRect l="-223" t="-1653" b="-7438"/>
                 </a:stretch>
               </a:blipFill>
             </p:spPr>
@@ -6328,7 +6344,21 @@
                     <a:latin typeface="Times New Roman" panose="02020603050405020304" pitchFamily="18" charset="0"/>
                     <a:cs typeface="Times New Roman" panose="02020603050405020304" pitchFamily="18" charset="0"/>
                   </a:rPr>
-                  <a:t>Figure 2: An ant foraging scenario presented as a global game. Each ant decides whether or not to participate in the food collecting task based on a number of environmental cues such as the travel time (</a:t>
+                  <a:t>Figure 2: An ant foraging scenario presented as a global </a:t>
+                </a:r>
+                <a:r>
+                  <a:rPr lang="en-US" sz="1400" dirty="0" smtClean="0">
+                    <a:latin typeface="Times New Roman" panose="02020603050405020304" pitchFamily="18" charset="0"/>
+                    <a:cs typeface="Times New Roman" panose="02020603050405020304" pitchFamily="18" charset="0"/>
+                  </a:rPr>
+                  <a:t>game with concurrent benefit. </a:t>
+                </a:r>
+                <a:r>
+                  <a:rPr lang="en-US" sz="1400" dirty="0" smtClean="0">
+                    <a:latin typeface="Times New Roman" panose="02020603050405020304" pitchFamily="18" charset="0"/>
+                    <a:cs typeface="Times New Roman" panose="02020603050405020304" pitchFamily="18" charset="0"/>
+                  </a:rPr>
+                  <a:t>Each ant decides whether or not to participate in the food collecting task based on a number of environmental cues such as the travel time (</a:t>
                 </a:r>
                 <a14:m>
                   <m:oMath xmlns:m="http://schemas.openxmlformats.org/officeDocument/2006/math">
@@ -6500,7 +6530,7 @@
               <a:blipFill rotWithShape="0">
                 <a:blip r:embed="rId2"/>
                 <a:stretch>
-                  <a:fillRect l="-217" t="-1042" r="-290" b="-4167"/>
+                  <a:fillRect l="-217" t="-1042" r="-434" b="-4167"/>
                 </a:stretch>
               </a:blipFill>
             </p:spPr>
@@ -7769,8 +7799,8 @@
             </p:style>
           </p:cxnSp>
         </p:grpSp>
-        <mc:AlternateContent xmlns:mc="http://schemas.openxmlformats.org/markup-compatibility/2006">
-          <mc:Choice xmlns:a14="http://schemas.microsoft.com/office/drawing/2010/main" Requires="a14">
+        <mc:AlternateContent xmlns:mc="http://schemas.openxmlformats.org/markup-compatibility/2006" xmlns:a14="http://schemas.microsoft.com/office/drawing/2010/main">
+          <mc:Choice Requires="a14">
             <p:sp>
               <p:nvSpPr>
                 <p:cNvPr id="45" name="TextBox 44"/>
@@ -7793,6 +7823,7 @@
                 </a:bodyPr>
                 <a:lstStyle/>
                 <a:p>
+                  <a:pPr/>
                   <a14:m>
                     <m:oMathPara xmlns:m="http://schemas.openxmlformats.org/officeDocument/2006/math">
                       <m:oMathParaPr>
@@ -7832,7 +7863,7 @@
               </p:txBody>
             </p:sp>
           </mc:Choice>
-          <mc:Fallback>
+          <mc:Fallback xmlns="">
             <p:sp>
               <p:nvSpPr>
                 <p:cNvPr id="45" name="TextBox 44"/>
@@ -7871,8 +7902,8 @@
             </p:sp>
           </mc:Fallback>
         </mc:AlternateContent>
-        <mc:AlternateContent xmlns:mc="http://schemas.openxmlformats.org/markup-compatibility/2006">
-          <mc:Choice xmlns:a14="http://schemas.microsoft.com/office/drawing/2010/main" Requires="a14">
+        <mc:AlternateContent xmlns:mc="http://schemas.openxmlformats.org/markup-compatibility/2006" xmlns:a14="http://schemas.microsoft.com/office/drawing/2010/main">
+          <mc:Choice Requires="a14">
             <p:sp>
               <p:nvSpPr>
                 <p:cNvPr id="46" name="TextBox 45"/>
@@ -7895,6 +7926,7 @@
                 </a:bodyPr>
                 <a:lstStyle/>
                 <a:p>
+                  <a:pPr/>
                   <a14:m>
                     <m:oMathPara xmlns:m="http://schemas.openxmlformats.org/officeDocument/2006/math">
                       <m:oMathParaPr>
@@ -7934,7 +7966,7 @@
               </p:txBody>
             </p:sp>
           </mc:Choice>
-          <mc:Fallback>
+          <mc:Fallback xmlns="">
             <p:sp>
               <p:nvSpPr>
                 <p:cNvPr id="46" name="TextBox 45"/>
@@ -7973,8 +8005,8 @@
             </p:sp>
           </mc:Fallback>
         </mc:AlternateContent>
-        <mc:AlternateContent xmlns:mc="http://schemas.openxmlformats.org/markup-compatibility/2006">
-          <mc:Choice xmlns:a14="http://schemas.microsoft.com/office/drawing/2010/main" Requires="a14">
+        <mc:AlternateContent xmlns:mc="http://schemas.openxmlformats.org/markup-compatibility/2006" xmlns:a14="http://schemas.microsoft.com/office/drawing/2010/main">
+          <mc:Choice Requires="a14">
             <p:sp>
               <p:nvSpPr>
                 <p:cNvPr id="47" name="TextBox 46"/>
@@ -7997,6 +8029,7 @@
                 </a:bodyPr>
                 <a:lstStyle/>
                 <a:p>
+                  <a:pPr/>
                   <a14:m>
                     <m:oMathPara xmlns:m="http://schemas.openxmlformats.org/officeDocument/2006/math">
                       <m:oMathParaPr>
@@ -8017,7 +8050,7 @@
               </p:txBody>
             </p:sp>
           </mc:Choice>
-          <mc:Fallback>
+          <mc:Fallback xmlns="">
             <p:sp>
               <p:nvSpPr>
                 <p:cNvPr id="47" name="TextBox 46"/>
@@ -8056,8 +8089,8 @@
             </p:sp>
           </mc:Fallback>
         </mc:AlternateContent>
-        <mc:AlternateContent xmlns:mc="http://schemas.openxmlformats.org/markup-compatibility/2006">
-          <mc:Choice xmlns:a14="http://schemas.microsoft.com/office/drawing/2010/main" Requires="a14">
+        <mc:AlternateContent xmlns:mc="http://schemas.openxmlformats.org/markup-compatibility/2006" xmlns:a14="http://schemas.microsoft.com/office/drawing/2010/main">
+          <mc:Choice Requires="a14">
             <p:sp>
               <p:nvSpPr>
                 <p:cNvPr id="48" name="TextBox 47"/>
@@ -8203,7 +8236,7 @@
               </p:txBody>
             </p:sp>
           </mc:Choice>
-          <mc:Fallback>
+          <mc:Fallback xmlns="">
             <p:sp>
               <p:nvSpPr>
                 <p:cNvPr id="48" name="TextBox 47"/>
@@ -8242,8 +8275,8 @@
             </p:sp>
           </mc:Fallback>
         </mc:AlternateContent>
-        <mc:AlternateContent xmlns:mc="http://schemas.openxmlformats.org/markup-compatibility/2006">
-          <mc:Choice xmlns:a14="http://schemas.microsoft.com/office/drawing/2010/main" Requires="a14">
+        <mc:AlternateContent xmlns:mc="http://schemas.openxmlformats.org/markup-compatibility/2006" xmlns:a14="http://schemas.microsoft.com/office/drawing/2010/main">
+          <mc:Choice Requires="a14">
             <p:sp>
               <p:nvSpPr>
                 <p:cNvPr id="49" name="Cloud Callout 48"/>
@@ -8363,7 +8396,7 @@
               </p:txBody>
             </p:sp>
           </mc:Choice>
-          <mc:Fallback>
+          <mc:Fallback xmlns="">
             <p:sp>
               <p:nvSpPr>
                 <p:cNvPr id="49" name="Cloud Callout 48"/>
@@ -8610,6 +8643,1310 @@
           <a:chExt cx="0" cy="0"/>
         </a:xfrm>
       </p:grpSpPr>
+      <mc:AlternateContent xmlns:mc="http://schemas.openxmlformats.org/markup-compatibility/2006">
+        <mc:Choice xmlns:a14="http://schemas.microsoft.com/office/drawing/2010/main" Requires="a14">
+          <p:sp>
+            <p:nvSpPr>
+              <p:cNvPr id="1043" name="TextBox 1042"/>
+              <p:cNvSpPr txBox="1"/>
+              <p:nvPr/>
+            </p:nvSpPr>
+            <p:spPr>
+              <a:xfrm>
+                <a:off x="825417" y="7326634"/>
+                <a:ext cx="7871322" cy="1169551"/>
+              </a:xfrm>
+              <a:prstGeom prst="rect">
+                <a:avLst/>
+              </a:prstGeom>
+              <a:noFill/>
+            </p:spPr>
+            <p:txBody>
+              <a:bodyPr wrap="square" rtlCol="0">
+                <a:spAutoFit/>
+              </a:bodyPr>
+              <a:lstStyle/>
+              <a:p>
+                <a:r>
+                  <a:rPr lang="en-US" sz="1400" dirty="0" smtClean="0">
+                    <a:latin typeface="Times New Roman" panose="02020603050405020304" pitchFamily="18" charset="0"/>
+                    <a:cs typeface="Times New Roman" panose="02020603050405020304" pitchFamily="18" charset="0"/>
+                  </a:rPr>
+                  <a:t>Figure 3: A bank run scenario presented as a global game with concurrent benefit. As seen in Greece recently, a bank run can result from a complex combination of economic factors that are indirectly perceived by the populous as a common global signal </a:t>
+                </a:r>
+                <a14:m>
+                  <m:oMath xmlns:m="http://schemas.openxmlformats.org/officeDocument/2006/math">
+                    <m:r>
+                      <a:rPr lang="en-US" sz="1400" b="0" i="1" smtClean="0">
+                        <a:latin typeface="Cambria Math" panose="02040503050406030204" pitchFamily="18" charset="0"/>
+                        <a:cs typeface="Times New Roman" panose="02020603050405020304" pitchFamily="18" charset="0"/>
+                      </a:rPr>
+                      <m:t>𝜏</m:t>
+                    </m:r>
+                  </m:oMath>
+                </a14:m>
+                <a:r>
+                  <a:rPr lang="en-US" sz="1400" dirty="0" smtClean="0">
+                    <a:latin typeface="Times New Roman" panose="02020603050405020304" pitchFamily="18" charset="0"/>
+                    <a:cs typeface="Times New Roman" panose="02020603050405020304" pitchFamily="18" charset="0"/>
+                  </a:rPr>
+                  <a:t>. Each individual has a noisy (</a:t>
+                </a:r>
+                <a14:m>
+                  <m:oMath xmlns:m="http://schemas.openxmlformats.org/officeDocument/2006/math">
+                    <m:sSub>
+                      <m:sSubPr>
+                        <m:ctrlPr>
+                          <a:rPr lang="en-US" sz="1400" b="0" i="1" smtClean="0">
+                            <a:latin typeface="Cambria Math" panose="02040503050406030204" pitchFamily="18" charset="0"/>
+                            <a:cs typeface="Times New Roman" panose="02020603050405020304" pitchFamily="18" charset="0"/>
+                          </a:rPr>
+                        </m:ctrlPr>
+                      </m:sSubPr>
+                      <m:e>
+                        <m:r>
+                          <a:rPr lang="en-US" sz="1400" b="0" i="1" smtClean="0">
+                            <a:latin typeface="Cambria Math" panose="02040503050406030204" pitchFamily="18" charset="0"/>
+                            <a:cs typeface="Times New Roman" panose="02020603050405020304" pitchFamily="18" charset="0"/>
+                          </a:rPr>
+                          <m:t>𝜂</m:t>
+                        </m:r>
+                      </m:e>
+                      <m:sub>
+                        <m:r>
+                          <a:rPr lang="en-US" sz="1400" b="0" i="1" smtClean="0">
+                            <a:latin typeface="Cambria Math" panose="02040503050406030204" pitchFamily="18" charset="0"/>
+                            <a:cs typeface="Times New Roman" panose="02020603050405020304" pitchFamily="18" charset="0"/>
+                          </a:rPr>
+                          <m:t>𝑖</m:t>
+                        </m:r>
+                      </m:sub>
+                    </m:sSub>
+                  </m:oMath>
+                </a14:m>
+                <a:r>
+                  <a:rPr lang="en-US" sz="1400" dirty="0" smtClean="0">
+                    <a:latin typeface="Times New Roman" panose="02020603050405020304" pitchFamily="18" charset="0"/>
+                    <a:cs typeface="Times New Roman" panose="02020603050405020304" pitchFamily="18" charset="0"/>
+                  </a:rPr>
+                  <a:t>) mental estimate of </a:t>
+                </a:r>
+                <a14:m>
+                  <m:oMath xmlns:m="http://schemas.openxmlformats.org/officeDocument/2006/math">
+                    <m:r>
+                      <a:rPr lang="en-US" sz="1400" b="0" i="1" smtClean="0">
+                        <a:latin typeface="Cambria Math" panose="02040503050406030204" pitchFamily="18" charset="0"/>
+                        <a:cs typeface="Times New Roman" panose="02020603050405020304" pitchFamily="18" charset="0"/>
+                      </a:rPr>
+                      <m:t>𝜏</m:t>
+                    </m:r>
+                  </m:oMath>
+                </a14:m>
+                <a:r>
+                  <a:rPr lang="en-US" sz="1400" dirty="0" smtClean="0">
+                    <a:latin typeface="Times New Roman" panose="02020603050405020304" pitchFamily="18" charset="0"/>
+                    <a:cs typeface="Times New Roman" panose="02020603050405020304" pitchFamily="18" charset="0"/>
+                  </a:rPr>
+                  <a:t>, labeled </a:t>
+                </a:r>
+                <a14:m>
+                  <m:oMath xmlns:m="http://schemas.openxmlformats.org/officeDocument/2006/math">
+                    <m:sSub>
+                      <m:sSubPr>
+                        <m:ctrlPr>
+                          <a:rPr lang="en-US" sz="1400" b="0" i="1" smtClean="0">
+                            <a:latin typeface="Cambria Math" panose="02040503050406030204" pitchFamily="18" charset="0"/>
+                            <a:cs typeface="Times New Roman" panose="02020603050405020304" pitchFamily="18" charset="0"/>
+                          </a:rPr>
+                        </m:ctrlPr>
+                      </m:sSubPr>
+                      <m:e>
+                        <m:r>
+                          <a:rPr lang="en-US" sz="1400" b="0" i="1" smtClean="0">
+                            <a:latin typeface="Cambria Math" panose="02040503050406030204" pitchFamily="18" charset="0"/>
+                            <a:cs typeface="Times New Roman" panose="02020603050405020304" pitchFamily="18" charset="0"/>
+                          </a:rPr>
+                          <m:t>𝑥</m:t>
+                        </m:r>
+                      </m:e>
+                      <m:sub>
+                        <m:r>
+                          <a:rPr lang="en-US" sz="1400" b="0" i="1" smtClean="0">
+                            <a:latin typeface="Cambria Math" panose="02040503050406030204" pitchFamily="18" charset="0"/>
+                            <a:cs typeface="Times New Roman" panose="02020603050405020304" pitchFamily="18" charset="0"/>
+                          </a:rPr>
+                          <m:t>𝑖</m:t>
+                        </m:r>
+                      </m:sub>
+                    </m:sSub>
+                  </m:oMath>
+                </a14:m>
+                <a:r>
+                  <a:rPr lang="en-US" sz="1400" dirty="0" smtClean="0">
+                    <a:latin typeface="Times New Roman" panose="02020603050405020304" pitchFamily="18" charset="0"/>
+                    <a:cs typeface="Times New Roman" panose="02020603050405020304" pitchFamily="18" charset="0"/>
+                  </a:rPr>
+                  <a:t>, that represents their level of trust in the nation’s economy. If this level of trust crosses an individually set threshold for enough of the populous a bank run occurs.</a:t>
+                </a:r>
+                <a:endParaRPr lang="en-US" sz="1400" dirty="0">
+                  <a:latin typeface="Times New Roman" panose="02020603050405020304" pitchFamily="18" charset="0"/>
+                  <a:cs typeface="Times New Roman" panose="02020603050405020304" pitchFamily="18" charset="0"/>
+                </a:endParaRPr>
+              </a:p>
+            </p:txBody>
+          </p:sp>
+        </mc:Choice>
+        <mc:Fallback>
+          <p:sp>
+            <p:nvSpPr>
+              <p:cNvPr id="1043" name="TextBox 1042"/>
+              <p:cNvSpPr txBox="1">
+                <a:spLocks noRot="1" noChangeAspect="1" noMove="1" noResize="1" noEditPoints="1" noAdjustHandles="1" noChangeArrowheads="1" noChangeShapeType="1" noTextEdit="1"/>
+              </p:cNvSpPr>
+              <p:nvPr/>
+            </p:nvSpPr>
+            <p:spPr>
+              <a:xfrm>
+                <a:off x="825417" y="7326634"/>
+                <a:ext cx="7871322" cy="1169551"/>
+              </a:xfrm>
+              <a:prstGeom prst="rect">
+                <a:avLst/>
+              </a:prstGeom>
+              <a:blipFill rotWithShape="0">
+                <a:blip r:embed="rId2"/>
+                <a:stretch>
+                  <a:fillRect l="-232" t="-1042" r="-464" b="-4167"/>
+                </a:stretch>
+              </a:blipFill>
+            </p:spPr>
+            <p:txBody>
+              <a:bodyPr/>
+              <a:lstStyle/>
+              <a:p>
+                <a:r>
+                  <a:rPr lang="en-US">
+                    <a:noFill/>
+                  </a:rPr>
+                  <a:t> </a:t>
+                </a:r>
+              </a:p>
+            </p:txBody>
+          </p:sp>
+        </mc:Fallback>
+      </mc:AlternateContent>
+      <p:grpSp>
+        <p:nvGrpSpPr>
+          <p:cNvPr id="1044" name="Group 1043"/>
+          <p:cNvGrpSpPr/>
+          <p:nvPr/>
+        </p:nvGrpSpPr>
+        <p:grpSpPr>
+          <a:xfrm>
+            <a:off x="763478" y="437322"/>
+            <a:ext cx="7933261" cy="6611717"/>
+            <a:chOff x="763478" y="467139"/>
+            <a:chExt cx="7933261" cy="6611717"/>
+          </a:xfrm>
+        </p:grpSpPr>
+        <mc:AlternateContent xmlns:mc="http://schemas.openxmlformats.org/markup-compatibility/2006">
+          <mc:Choice xmlns:a14="http://schemas.microsoft.com/office/drawing/2010/main" Requires="a14">
+            <p:sp>
+              <p:nvSpPr>
+                <p:cNvPr id="87" name="Cloud Callout 86"/>
+                <p:cNvSpPr/>
+                <p:nvPr/>
+              </p:nvSpPr>
+              <p:spPr>
+                <a:xfrm>
+                  <a:off x="4517911" y="3263974"/>
+                  <a:ext cx="2755697" cy="980967"/>
+                </a:xfrm>
+                <a:prstGeom prst="cloudCallout">
+                  <a:avLst>
+                    <a:gd name="adj1" fmla="val -5068"/>
+                    <a:gd name="adj2" fmla="val 102965"/>
+                  </a:avLst>
+                </a:prstGeom>
+              </p:spPr>
+              <p:style>
+                <a:lnRef idx="2">
+                  <a:schemeClr val="dk1"/>
+                </a:lnRef>
+                <a:fillRef idx="1">
+                  <a:schemeClr val="lt1"/>
+                </a:fillRef>
+                <a:effectRef idx="0">
+                  <a:schemeClr val="dk1"/>
+                </a:effectRef>
+                <a:fontRef idx="minor">
+                  <a:schemeClr val="dk1"/>
+                </a:fontRef>
+              </p:style>
+              <p:txBody>
+                <a:bodyPr rtlCol="0" anchor="ctr"/>
+                <a:lstStyle/>
+                <a:p>
+                  <a:pPr algn="ctr"/>
+                  <a14:m>
+                    <m:oMathPara xmlns:m="http://schemas.openxmlformats.org/officeDocument/2006/math">
+                      <m:oMathParaPr>
+                        <m:jc m:val="centerGroup"/>
+                      </m:oMathParaPr>
+                      <m:oMath xmlns:m="http://schemas.openxmlformats.org/officeDocument/2006/math">
+                        <m:sSub>
+                          <m:sSubPr>
+                            <m:ctrlPr>
+                              <a:rPr lang="en-US" b="0" i="1" smtClean="0">
+                                <a:latin typeface="Cambria Math" panose="02040503050406030204" pitchFamily="18" charset="0"/>
+                              </a:rPr>
+                            </m:ctrlPr>
+                          </m:sSubPr>
+                          <m:e>
+                            <m:r>
+                              <a:rPr lang="en-US" b="0" i="1" smtClean="0">
+                                <a:latin typeface="Cambria Math" panose="02040503050406030204" pitchFamily="18" charset="0"/>
+                              </a:rPr>
+                              <m:t>𝑥</m:t>
+                            </m:r>
+                          </m:e>
+                          <m:sub>
+                            <m:r>
+                              <a:rPr lang="en-US" b="0" i="1" smtClean="0">
+                                <a:latin typeface="Cambria Math" panose="02040503050406030204" pitchFamily="18" charset="0"/>
+                              </a:rPr>
+                              <m:t>4</m:t>
+                            </m:r>
+                          </m:sub>
+                        </m:sSub>
+                        <m:r>
+                          <a:rPr lang="en-US" b="0" i="1" smtClean="0">
+                            <a:latin typeface="Cambria Math" panose="02040503050406030204" pitchFamily="18" charset="0"/>
+                          </a:rPr>
+                          <m:t>=</m:t>
+                        </m:r>
+                        <m:r>
+                          <a:rPr lang="en-US" b="0" i="1" smtClean="0">
+                            <a:latin typeface="Cambria Math" panose="02040503050406030204" pitchFamily="18" charset="0"/>
+                          </a:rPr>
+                          <m:t>𝜏</m:t>
+                        </m:r>
+                        <m:r>
+                          <a:rPr lang="en-US" b="0" i="1" smtClean="0">
+                            <a:latin typeface="Cambria Math" panose="02040503050406030204" pitchFamily="18" charset="0"/>
+                          </a:rPr>
+                          <m:t>+</m:t>
+                        </m:r>
+                        <m:sSub>
+                          <m:sSubPr>
+                            <m:ctrlPr>
+                              <a:rPr lang="en-US" b="0" i="1" smtClean="0">
+                                <a:latin typeface="Cambria Math" panose="02040503050406030204" pitchFamily="18" charset="0"/>
+                              </a:rPr>
+                            </m:ctrlPr>
+                          </m:sSubPr>
+                          <m:e>
+                            <m:r>
+                              <a:rPr lang="en-US" b="0" i="1" smtClean="0">
+                                <a:latin typeface="Cambria Math" panose="02040503050406030204" pitchFamily="18" charset="0"/>
+                              </a:rPr>
+                              <m:t>𝜂</m:t>
+                            </m:r>
+                          </m:e>
+                          <m:sub>
+                            <m:r>
+                              <a:rPr lang="en-US" b="0" i="1" smtClean="0">
+                                <a:latin typeface="Cambria Math" panose="02040503050406030204" pitchFamily="18" charset="0"/>
+                              </a:rPr>
+                              <m:t>4</m:t>
+                            </m:r>
+                          </m:sub>
+                        </m:sSub>
+                      </m:oMath>
+                    </m:oMathPara>
+                  </a14:m>
+                  <a:endParaRPr lang="en-US" dirty="0"/>
+                </a:p>
+              </p:txBody>
+            </p:sp>
+          </mc:Choice>
+          <mc:Fallback>
+            <p:sp>
+              <p:nvSpPr>
+                <p:cNvPr id="87" name="Cloud Callout 86"/>
+                <p:cNvSpPr>
+                  <a:spLocks noRot="1" noChangeAspect="1" noMove="1" noResize="1" noEditPoints="1" noAdjustHandles="1" noChangeArrowheads="1" noChangeShapeType="1" noTextEdit="1"/>
+                </p:cNvSpPr>
+                <p:nvPr/>
+              </p:nvSpPr>
+              <p:spPr>
+                <a:xfrm>
+                  <a:off x="4517911" y="3263974"/>
+                  <a:ext cx="2755697" cy="980967"/>
+                </a:xfrm>
+                <a:prstGeom prst="cloudCallout">
+                  <a:avLst>
+                    <a:gd name="adj1" fmla="val -5068"/>
+                    <a:gd name="adj2" fmla="val 102965"/>
+                  </a:avLst>
+                </a:prstGeom>
+                <a:blipFill rotWithShape="0">
+                  <a:blip r:embed="rId3"/>
+                  <a:stretch>
+                    <a:fillRect/>
+                  </a:stretch>
+                </a:blipFill>
+              </p:spPr>
+              <p:txBody>
+                <a:bodyPr/>
+                <a:lstStyle/>
+                <a:p>
+                  <a:r>
+                    <a:rPr lang="en-US">
+                      <a:noFill/>
+                    </a:rPr>
+                    <a:t> </a:t>
+                  </a:r>
+                </a:p>
+              </p:txBody>
+            </p:sp>
+          </mc:Fallback>
+        </mc:AlternateContent>
+        <p:grpSp>
+          <p:nvGrpSpPr>
+            <p:cNvPr id="6" name="Group 5"/>
+            <p:cNvGrpSpPr/>
+            <p:nvPr/>
+          </p:nvGrpSpPr>
+          <p:grpSpPr>
+            <a:xfrm>
+              <a:off x="825417" y="4859666"/>
+              <a:ext cx="7871322" cy="2219190"/>
+              <a:chOff x="105880" y="3963287"/>
+              <a:chExt cx="9564894" cy="3248026"/>
+            </a:xfrm>
+          </p:grpSpPr>
+          <p:pic>
+            <p:nvPicPr>
+              <p:cNvPr id="1038" name="Picture 14" descr="http://pixabay.com/static/uploads/photo/2014/03/24/17/07/crowd-295069_640.png"/>
+              <p:cNvPicPr>
+                <a:picLocks noChangeAspect="1" noChangeArrowheads="1"/>
+              </p:cNvPicPr>
+              <p:nvPr/>
+            </p:nvPicPr>
+            <p:blipFill>
+              <a:blip r:embed="rId4">
+                <a:extLst>
+                  <a:ext uri="{28A0092B-C50C-407E-A947-70E740481C1C}">
+                    <a14:useLocalDpi xmlns:a14="http://schemas.microsoft.com/office/drawing/2010/main" val="0"/>
+                  </a:ext>
+                </a:extLst>
+              </a:blip>
+              <a:srcRect/>
+              <a:stretch>
+                <a:fillRect/>
+              </a:stretch>
+            </p:blipFill>
+            <p:spPr bwMode="auto">
+              <a:xfrm>
+                <a:off x="105880" y="3963287"/>
+                <a:ext cx="6096000" cy="3248026"/>
+              </a:xfrm>
+              <a:prstGeom prst="rect">
+                <a:avLst/>
+              </a:prstGeom>
+              <a:noFill/>
+              <a:extLst>
+                <a:ext uri="{909E8E84-426E-40DD-AFC4-6F175D3DCCD1}">
+                  <a14:hiddenFill xmlns:a14="http://schemas.microsoft.com/office/drawing/2010/main">
+                    <a:solidFill>
+                      <a:srgbClr val="FFFFFF"/>
+                    </a:solidFill>
+                  </a14:hiddenFill>
+                </a:ext>
+              </a:extLst>
+            </p:spPr>
+          </p:pic>
+          <p:pic>
+            <p:nvPicPr>
+              <p:cNvPr id="14" name="Picture 14" descr="http://pixabay.com/static/uploads/photo/2014/03/24/17/07/crowd-295069_640.png"/>
+              <p:cNvPicPr>
+                <a:picLocks noChangeAspect="1" noChangeArrowheads="1"/>
+              </p:cNvPicPr>
+              <p:nvPr/>
+            </p:nvPicPr>
+            <p:blipFill>
+              <a:blip r:embed="rId4">
+                <a:extLst>
+                  <a:ext uri="{28A0092B-C50C-407E-A947-70E740481C1C}">
+                    <a14:useLocalDpi xmlns:a14="http://schemas.microsoft.com/office/drawing/2010/main" val="0"/>
+                  </a:ext>
+                </a:extLst>
+              </a:blip>
+              <a:srcRect/>
+              <a:stretch>
+                <a:fillRect/>
+              </a:stretch>
+            </p:blipFill>
+            <p:spPr bwMode="auto">
+              <a:xfrm>
+                <a:off x="3574774" y="3963287"/>
+                <a:ext cx="6096000" cy="3248026"/>
+              </a:xfrm>
+              <a:prstGeom prst="rect">
+                <a:avLst/>
+              </a:prstGeom>
+              <a:noFill/>
+              <a:extLst>
+                <a:ext uri="{909E8E84-426E-40DD-AFC4-6F175D3DCCD1}">
+                  <a14:hiddenFill xmlns:a14="http://schemas.microsoft.com/office/drawing/2010/main">
+                    <a:solidFill>
+                      <a:srgbClr val="FFFFFF"/>
+                    </a:solidFill>
+                  </a14:hiddenFill>
+                </a:ext>
+              </a:extLst>
+            </p:spPr>
+          </p:pic>
+        </p:grpSp>
+        <p:grpSp>
+          <p:nvGrpSpPr>
+            <p:cNvPr id="1029" name="Group 1028"/>
+            <p:cNvGrpSpPr/>
+            <p:nvPr/>
+          </p:nvGrpSpPr>
+          <p:grpSpPr>
+            <a:xfrm>
+              <a:off x="1094017" y="467139"/>
+              <a:ext cx="7334122" cy="2720723"/>
+              <a:chOff x="228600" y="298174"/>
+              <a:chExt cx="9243391" cy="3429000"/>
+            </a:xfrm>
+          </p:grpSpPr>
+          <p:sp>
+            <p:nvSpPr>
+              <p:cNvPr id="4" name="Rounded Rectangle 3"/>
+              <p:cNvSpPr/>
+              <p:nvPr/>
+            </p:nvSpPr>
+            <p:spPr>
+              <a:xfrm>
+                <a:off x="228600" y="298174"/>
+                <a:ext cx="9243391" cy="3429000"/>
+              </a:xfrm>
+              <a:prstGeom prst="roundRect">
+                <a:avLst/>
+              </a:prstGeom>
+            </p:spPr>
+            <p:style>
+              <a:lnRef idx="2">
+                <a:schemeClr val="dk1"/>
+              </a:lnRef>
+              <a:fillRef idx="1">
+                <a:schemeClr val="lt1"/>
+              </a:fillRef>
+              <a:effectRef idx="0">
+                <a:schemeClr val="dk1"/>
+              </a:effectRef>
+              <a:fontRef idx="minor">
+                <a:schemeClr val="dk1"/>
+              </a:fontRef>
+            </p:style>
+            <p:txBody>
+              <a:bodyPr rtlCol="0" anchor="ctr"/>
+              <a:lstStyle/>
+              <a:p>
+                <a:pPr algn="ctr"/>
+                <a:endParaRPr lang="en-US"/>
+              </a:p>
+            </p:txBody>
+          </p:sp>
+          <p:pic>
+            <p:nvPicPr>
+              <p:cNvPr id="1026" name="Picture 2" descr="https://pixabay.com/static/uploads/photo/2013/11/22/06/30/crash-215512_640.jpg"/>
+              <p:cNvPicPr>
+                <a:picLocks noChangeAspect="1" noChangeArrowheads="1"/>
+              </p:cNvPicPr>
+              <p:nvPr/>
+            </p:nvPicPr>
+            <p:blipFill rotWithShape="1">
+              <a:blip r:embed="rId5">
+                <a:clrChange>
+                  <a:clrFrom>
+                    <a:srgbClr val="FFFFFF"/>
+                  </a:clrFrom>
+                  <a:clrTo>
+                    <a:srgbClr val="FFFFFF">
+                      <a:alpha val="0"/>
+                    </a:srgbClr>
+                  </a:clrTo>
+                </a:clrChange>
+                <a:extLst>
+                  <a:ext uri="{28A0092B-C50C-407E-A947-70E740481C1C}">
+                    <a14:useLocalDpi xmlns:a14="http://schemas.microsoft.com/office/drawing/2010/main" val="0"/>
+                  </a:ext>
+                </a:extLst>
+              </a:blip>
+              <a:srcRect l="18644" t="5507" r="14835" b="10923"/>
+              <a:stretch/>
+            </p:blipFill>
+            <p:spPr bwMode="auto">
+              <a:xfrm>
+                <a:off x="2958411" y="534288"/>
+                <a:ext cx="2661714" cy="2361618"/>
+              </a:xfrm>
+              <a:prstGeom prst="rect">
+                <a:avLst/>
+              </a:prstGeom>
+              <a:noFill/>
+              <a:extLst>
+                <a:ext uri="{909E8E84-426E-40DD-AFC4-6F175D3DCCD1}">
+                  <a14:hiddenFill xmlns:a14="http://schemas.microsoft.com/office/drawing/2010/main">
+                    <a:solidFill>
+                      <a:srgbClr val="FFFFFF"/>
+                    </a:solidFill>
+                  </a14:hiddenFill>
+                </a:ext>
+              </a:extLst>
+            </p:spPr>
+          </p:pic>
+          <p:pic>
+            <p:nvPicPr>
+              <p:cNvPr id="1032" name="Picture 8" descr="http://upload.wikimedia.org/wikipedia/commons/5/51/Greek_debt_and_EU_average.png"/>
+              <p:cNvPicPr>
+                <a:picLocks noChangeAspect="1" noChangeArrowheads="1"/>
+              </p:cNvPicPr>
+              <p:nvPr/>
+            </p:nvPicPr>
+            <p:blipFill>
+              <a:blip r:embed="rId6" cstate="print">
+                <a:clrChange>
+                  <a:clrFrom>
+                    <a:srgbClr val="FFFFFF"/>
+                  </a:clrFrom>
+                  <a:clrTo>
+                    <a:srgbClr val="FFFFFF">
+                      <a:alpha val="0"/>
+                    </a:srgbClr>
+                  </a:clrTo>
+                </a:clrChange>
+                <a:extLst>
+                  <a:ext uri="{28A0092B-C50C-407E-A947-70E740481C1C}">
+                    <a14:useLocalDpi xmlns:a14="http://schemas.microsoft.com/office/drawing/2010/main" val="0"/>
+                  </a:ext>
+                </a:extLst>
+              </a:blip>
+              <a:srcRect/>
+              <a:stretch>
+                <a:fillRect/>
+              </a:stretch>
+            </p:blipFill>
+            <p:spPr bwMode="auto">
+              <a:xfrm>
+                <a:off x="228600" y="534287"/>
+                <a:ext cx="2665987" cy="2735687"/>
+              </a:xfrm>
+              <a:prstGeom prst="rect">
+                <a:avLst/>
+              </a:prstGeom>
+              <a:noFill/>
+              <a:extLst>
+                <a:ext uri="{909E8E84-426E-40DD-AFC4-6F175D3DCCD1}">
+                  <a14:hiddenFill xmlns:a14="http://schemas.microsoft.com/office/drawing/2010/main">
+                    <a:solidFill>
+                      <a:srgbClr val="FFFFFF"/>
+                    </a:solidFill>
+                  </a14:hiddenFill>
+                </a:ext>
+              </a:extLst>
+            </p:spPr>
+          </p:pic>
+          <p:pic>
+            <p:nvPicPr>
+              <p:cNvPr id="1034" name="Picture 10" descr="https://farm8.staticflickr.com/7303/15901454213_8576cf7456_o_d.jpg"/>
+              <p:cNvPicPr>
+                <a:picLocks noChangeAspect="1" noChangeArrowheads="1"/>
+              </p:cNvPicPr>
+              <p:nvPr/>
+            </p:nvPicPr>
+            <p:blipFill>
+              <a:blip r:embed="rId7">
+                <a:extLst>
+                  <a:ext uri="{28A0092B-C50C-407E-A947-70E740481C1C}">
+                    <a14:useLocalDpi xmlns:a14="http://schemas.microsoft.com/office/drawing/2010/main" val="0"/>
+                  </a:ext>
+                </a:extLst>
+              </a:blip>
+              <a:srcRect/>
+              <a:stretch>
+                <a:fillRect/>
+              </a:stretch>
+            </p:blipFill>
+            <p:spPr bwMode="auto">
+              <a:xfrm>
+                <a:off x="5874026" y="710465"/>
+                <a:ext cx="3190449" cy="2210081"/>
+              </a:xfrm>
+              <a:prstGeom prst="rect">
+                <a:avLst/>
+              </a:prstGeom>
+              <a:noFill/>
+              <a:extLst>
+                <a:ext uri="{909E8E84-426E-40DD-AFC4-6F175D3DCCD1}">
+                  <a14:hiddenFill xmlns:a14="http://schemas.microsoft.com/office/drawing/2010/main">
+                    <a:solidFill>
+                      <a:srgbClr val="FFFFFF"/>
+                    </a:solidFill>
+                  </a14:hiddenFill>
+                </a:ext>
+              </a:extLst>
+            </p:spPr>
+          </p:pic>
+          <mc:AlternateContent xmlns:mc="http://schemas.openxmlformats.org/markup-compatibility/2006">
+            <mc:Choice xmlns:a14="http://schemas.microsoft.com/office/drawing/2010/main" Requires="a14">
+              <p:sp>
+                <p:nvSpPr>
+                  <p:cNvPr id="49" name="TextBox 48"/>
+                  <p:cNvSpPr txBox="1"/>
+                  <p:nvPr/>
+                </p:nvSpPr>
+                <p:spPr>
+                  <a:xfrm>
+                    <a:off x="4289268" y="3046947"/>
+                    <a:ext cx="254557" cy="430887"/>
+                  </a:xfrm>
+                  <a:prstGeom prst="rect">
+                    <a:avLst/>
+                  </a:prstGeom>
+                  <a:noFill/>
+                </p:spPr>
+                <p:txBody>
+                  <a:bodyPr wrap="none" lIns="0" tIns="0" rIns="0" bIns="0" rtlCol="0">
+                    <a:spAutoFit/>
+                  </a:bodyPr>
+                  <a:lstStyle/>
+                  <a:p>
+                    <a14:m>
+                      <m:oMathPara xmlns:m="http://schemas.openxmlformats.org/officeDocument/2006/math">
+                        <m:oMathParaPr>
+                          <m:jc m:val="centerGroup"/>
+                        </m:oMathParaPr>
+                        <m:oMath xmlns:m="http://schemas.openxmlformats.org/officeDocument/2006/math">
+                          <m:r>
+                            <a:rPr lang="en-US" sz="2800" b="0" i="1" smtClean="0">
+                              <a:latin typeface="Cambria Math" panose="02040503050406030204" pitchFamily="18" charset="0"/>
+                            </a:rPr>
+                            <m:t>𝜏</m:t>
+                          </m:r>
+                        </m:oMath>
+                      </m:oMathPara>
+                    </a14:m>
+                    <a:endParaRPr lang="en-US" sz="2800" dirty="0"/>
+                  </a:p>
+                </p:txBody>
+              </p:sp>
+            </mc:Choice>
+            <mc:Fallback>
+              <p:sp>
+                <p:nvSpPr>
+                  <p:cNvPr id="49" name="TextBox 48"/>
+                  <p:cNvSpPr txBox="1">
+                    <a:spLocks noRot="1" noChangeAspect="1" noMove="1" noResize="1" noEditPoints="1" noAdjustHandles="1" noChangeArrowheads="1" noChangeShapeType="1" noTextEdit="1"/>
+                  </p:cNvSpPr>
+                  <p:nvPr/>
+                </p:nvSpPr>
+                <p:spPr>
+                  <a:xfrm>
+                    <a:off x="4289268" y="3046947"/>
+                    <a:ext cx="254557" cy="430887"/>
+                  </a:xfrm>
+                  <a:prstGeom prst="rect">
+                    <a:avLst/>
+                  </a:prstGeom>
+                  <a:blipFill rotWithShape="0">
+                    <a:blip r:embed="rId8"/>
+                    <a:stretch>
+                      <a:fillRect/>
+                    </a:stretch>
+                  </a:blipFill>
+                </p:spPr>
+                <p:txBody>
+                  <a:bodyPr/>
+                  <a:lstStyle/>
+                  <a:p>
+                    <a:r>
+                      <a:rPr lang="en-US">
+                        <a:noFill/>
+                      </a:rPr>
+                      <a:t> </a:t>
+                    </a:r>
+                  </a:p>
+                </p:txBody>
+              </p:sp>
+            </mc:Fallback>
+          </mc:AlternateContent>
+        </p:grpSp>
+        <p:sp>
+          <p:nvSpPr>
+            <p:cNvPr id="51" name="Cloud Callout 50"/>
+            <p:cNvSpPr/>
+            <p:nvPr/>
+          </p:nvSpPr>
+          <p:spPr>
+            <a:xfrm>
+              <a:off x="1997264" y="3529668"/>
+              <a:ext cx="2636483" cy="980967"/>
+            </a:xfrm>
+            <a:prstGeom prst="cloudCallout">
+              <a:avLst>
+                <a:gd name="adj1" fmla="val -17116"/>
+                <a:gd name="adj2" fmla="val 82701"/>
+              </a:avLst>
+            </a:prstGeom>
+          </p:spPr>
+          <p:style>
+            <a:lnRef idx="2">
+              <a:schemeClr val="dk1"/>
+            </a:lnRef>
+            <a:fillRef idx="1">
+              <a:schemeClr val="lt1"/>
+            </a:fillRef>
+            <a:effectRef idx="0">
+              <a:schemeClr val="dk1"/>
+            </a:effectRef>
+            <a:fontRef idx="minor">
+              <a:schemeClr val="dk1"/>
+            </a:fontRef>
+          </p:style>
+          <p:txBody>
+            <a:bodyPr rtlCol="0" anchor="ctr"/>
+            <a:lstStyle/>
+            <a:p>
+              <a:pPr algn="ctr"/>
+              <a:endParaRPr lang="en-US" dirty="0"/>
+            </a:p>
+          </p:txBody>
+        </p:sp>
+        <mc:AlternateContent xmlns:mc="http://schemas.openxmlformats.org/markup-compatibility/2006">
+          <mc:Choice xmlns:a14="http://schemas.microsoft.com/office/drawing/2010/main" Requires="a14">
+            <p:sp>
+              <p:nvSpPr>
+                <p:cNvPr id="84" name="Cloud Callout 83"/>
+                <p:cNvSpPr/>
+                <p:nvPr/>
+              </p:nvSpPr>
+              <p:spPr>
+                <a:xfrm>
+                  <a:off x="3153694" y="3601104"/>
+                  <a:ext cx="2728435" cy="980967"/>
+                </a:xfrm>
+                <a:prstGeom prst="cloudCallout">
+                  <a:avLst>
+                    <a:gd name="adj1" fmla="val 12653"/>
+                    <a:gd name="adj2" fmla="val 75609"/>
+                  </a:avLst>
+                </a:prstGeom>
+              </p:spPr>
+              <p:style>
+                <a:lnRef idx="2">
+                  <a:schemeClr val="dk1"/>
+                </a:lnRef>
+                <a:fillRef idx="1">
+                  <a:schemeClr val="lt1"/>
+                </a:fillRef>
+                <a:effectRef idx="0">
+                  <a:schemeClr val="dk1"/>
+                </a:effectRef>
+                <a:fontRef idx="minor">
+                  <a:schemeClr val="dk1"/>
+                </a:fontRef>
+              </p:style>
+              <p:txBody>
+                <a:bodyPr rtlCol="0" anchor="ctr"/>
+                <a:lstStyle/>
+                <a:p>
+                  <a:pPr algn="ctr"/>
+                  <a14:m>
+                    <m:oMathPara xmlns:m="http://schemas.openxmlformats.org/officeDocument/2006/math">
+                      <m:oMathParaPr>
+                        <m:jc m:val="centerGroup"/>
+                      </m:oMathParaPr>
+                      <m:oMath xmlns:m="http://schemas.openxmlformats.org/officeDocument/2006/math">
+                        <m:sSub>
+                          <m:sSubPr>
+                            <m:ctrlPr>
+                              <a:rPr lang="en-US" b="0" i="1" smtClean="0">
+                                <a:latin typeface="Cambria Math" panose="02040503050406030204" pitchFamily="18" charset="0"/>
+                              </a:rPr>
+                            </m:ctrlPr>
+                          </m:sSubPr>
+                          <m:e>
+                            <m:r>
+                              <a:rPr lang="en-US" b="0" i="1" smtClean="0">
+                                <a:latin typeface="Cambria Math" panose="02040503050406030204" pitchFamily="18" charset="0"/>
+                              </a:rPr>
+                              <m:t>𝑥</m:t>
+                            </m:r>
+                          </m:e>
+                          <m:sub>
+                            <m:r>
+                              <a:rPr lang="en-US" b="0" i="1" smtClean="0">
+                                <a:latin typeface="Cambria Math" panose="02040503050406030204" pitchFamily="18" charset="0"/>
+                              </a:rPr>
+                              <m:t>2</m:t>
+                            </m:r>
+                          </m:sub>
+                        </m:sSub>
+                        <m:r>
+                          <a:rPr lang="en-US" b="0" i="1" smtClean="0">
+                            <a:latin typeface="Cambria Math" panose="02040503050406030204" pitchFamily="18" charset="0"/>
+                          </a:rPr>
+                          <m:t>=</m:t>
+                        </m:r>
+                        <m:r>
+                          <a:rPr lang="en-US" b="0" i="1" smtClean="0">
+                            <a:latin typeface="Cambria Math" panose="02040503050406030204" pitchFamily="18" charset="0"/>
+                          </a:rPr>
+                          <m:t>𝜏</m:t>
+                        </m:r>
+                        <m:r>
+                          <a:rPr lang="en-US" b="0" i="1" smtClean="0">
+                            <a:latin typeface="Cambria Math" panose="02040503050406030204" pitchFamily="18" charset="0"/>
+                          </a:rPr>
+                          <m:t>+</m:t>
+                        </m:r>
+                        <m:sSub>
+                          <m:sSubPr>
+                            <m:ctrlPr>
+                              <a:rPr lang="en-US" b="0" i="1" smtClean="0">
+                                <a:latin typeface="Cambria Math" panose="02040503050406030204" pitchFamily="18" charset="0"/>
+                              </a:rPr>
+                            </m:ctrlPr>
+                          </m:sSubPr>
+                          <m:e>
+                            <m:r>
+                              <a:rPr lang="en-US" b="0" i="1" smtClean="0">
+                                <a:latin typeface="Cambria Math" panose="02040503050406030204" pitchFamily="18" charset="0"/>
+                              </a:rPr>
+                              <m:t>𝜂</m:t>
+                            </m:r>
+                          </m:e>
+                          <m:sub>
+                            <m:r>
+                              <a:rPr lang="en-US" b="0" i="1" smtClean="0">
+                                <a:latin typeface="Cambria Math" panose="02040503050406030204" pitchFamily="18" charset="0"/>
+                              </a:rPr>
+                              <m:t>2</m:t>
+                            </m:r>
+                          </m:sub>
+                        </m:sSub>
+                      </m:oMath>
+                    </m:oMathPara>
+                  </a14:m>
+                  <a:endParaRPr lang="en-US" dirty="0"/>
+                </a:p>
+              </p:txBody>
+            </p:sp>
+          </mc:Choice>
+          <mc:Fallback>
+            <p:sp>
+              <p:nvSpPr>
+                <p:cNvPr id="84" name="Cloud Callout 83"/>
+                <p:cNvSpPr>
+                  <a:spLocks noRot="1" noChangeAspect="1" noMove="1" noResize="1" noEditPoints="1" noAdjustHandles="1" noChangeArrowheads="1" noChangeShapeType="1" noTextEdit="1"/>
+                </p:cNvSpPr>
+                <p:nvPr/>
+              </p:nvSpPr>
+              <p:spPr>
+                <a:xfrm>
+                  <a:off x="3153694" y="3601104"/>
+                  <a:ext cx="2728435" cy="980967"/>
+                </a:xfrm>
+                <a:prstGeom prst="cloudCallout">
+                  <a:avLst>
+                    <a:gd name="adj1" fmla="val 12653"/>
+                    <a:gd name="adj2" fmla="val 75609"/>
+                  </a:avLst>
+                </a:prstGeom>
+                <a:blipFill rotWithShape="0">
+                  <a:blip r:embed="rId9"/>
+                  <a:stretch>
+                    <a:fillRect/>
+                  </a:stretch>
+                </a:blipFill>
+              </p:spPr>
+              <p:txBody>
+                <a:bodyPr/>
+                <a:lstStyle/>
+                <a:p>
+                  <a:r>
+                    <a:rPr lang="en-US">
+                      <a:noFill/>
+                    </a:rPr>
+                    <a:t> </a:t>
+                  </a:r>
+                </a:p>
+              </p:txBody>
+            </p:sp>
+          </mc:Fallback>
+        </mc:AlternateContent>
+        <mc:AlternateContent xmlns:mc="http://schemas.openxmlformats.org/markup-compatibility/2006">
+          <mc:Choice xmlns:a14="http://schemas.microsoft.com/office/drawing/2010/main" Requires="a14">
+            <p:sp>
+              <p:nvSpPr>
+                <p:cNvPr id="85" name="Cloud Callout 84"/>
+                <p:cNvSpPr/>
+                <p:nvPr/>
+              </p:nvSpPr>
+              <p:spPr>
+                <a:xfrm>
+                  <a:off x="763478" y="3690662"/>
+                  <a:ext cx="2713320" cy="980967"/>
+                </a:xfrm>
+                <a:prstGeom prst="cloudCallout">
+                  <a:avLst>
+                    <a:gd name="adj1" fmla="val -24894"/>
+                    <a:gd name="adj2" fmla="val 75609"/>
+                  </a:avLst>
+                </a:prstGeom>
+              </p:spPr>
+              <p:style>
+                <a:lnRef idx="2">
+                  <a:schemeClr val="dk1"/>
+                </a:lnRef>
+                <a:fillRef idx="1">
+                  <a:schemeClr val="lt1"/>
+                </a:fillRef>
+                <a:effectRef idx="0">
+                  <a:schemeClr val="dk1"/>
+                </a:effectRef>
+                <a:fontRef idx="minor">
+                  <a:schemeClr val="dk1"/>
+                </a:fontRef>
+              </p:style>
+              <p:txBody>
+                <a:bodyPr rtlCol="0" anchor="ctr"/>
+                <a:lstStyle/>
+                <a:p>
+                  <a:pPr algn="ctr"/>
+                  <a14:m>
+                    <m:oMathPara xmlns:m="http://schemas.openxmlformats.org/officeDocument/2006/math">
+                      <m:oMathParaPr>
+                        <m:jc m:val="centerGroup"/>
+                      </m:oMathParaPr>
+                      <m:oMath xmlns:m="http://schemas.openxmlformats.org/officeDocument/2006/math">
+                        <m:sSub>
+                          <m:sSubPr>
+                            <m:ctrlPr>
+                              <a:rPr lang="en-US" b="0" i="1" smtClean="0">
+                                <a:latin typeface="Cambria Math" panose="02040503050406030204" pitchFamily="18" charset="0"/>
+                              </a:rPr>
+                            </m:ctrlPr>
+                          </m:sSubPr>
+                          <m:e>
+                            <m:r>
+                              <a:rPr lang="en-US" b="0" i="1" smtClean="0">
+                                <a:latin typeface="Cambria Math" panose="02040503050406030204" pitchFamily="18" charset="0"/>
+                              </a:rPr>
+                              <m:t>𝑥</m:t>
+                            </m:r>
+                          </m:e>
+                          <m:sub>
+                            <m:r>
+                              <a:rPr lang="en-US" b="0" i="1" smtClean="0">
+                                <a:latin typeface="Cambria Math" panose="02040503050406030204" pitchFamily="18" charset="0"/>
+                              </a:rPr>
+                              <m:t>1</m:t>
+                            </m:r>
+                          </m:sub>
+                        </m:sSub>
+                        <m:r>
+                          <a:rPr lang="en-US" b="0" i="1" smtClean="0">
+                            <a:latin typeface="Cambria Math" panose="02040503050406030204" pitchFamily="18" charset="0"/>
+                          </a:rPr>
+                          <m:t>=</m:t>
+                        </m:r>
+                        <m:r>
+                          <a:rPr lang="en-US" b="0" i="1" smtClean="0">
+                            <a:latin typeface="Cambria Math" panose="02040503050406030204" pitchFamily="18" charset="0"/>
+                          </a:rPr>
+                          <m:t>𝜏</m:t>
+                        </m:r>
+                        <m:r>
+                          <a:rPr lang="en-US" b="0" i="1" smtClean="0">
+                            <a:latin typeface="Cambria Math" panose="02040503050406030204" pitchFamily="18" charset="0"/>
+                          </a:rPr>
+                          <m:t>+</m:t>
+                        </m:r>
+                        <m:sSub>
+                          <m:sSubPr>
+                            <m:ctrlPr>
+                              <a:rPr lang="en-US" b="0" i="1" smtClean="0">
+                                <a:latin typeface="Cambria Math" panose="02040503050406030204" pitchFamily="18" charset="0"/>
+                              </a:rPr>
+                            </m:ctrlPr>
+                          </m:sSubPr>
+                          <m:e>
+                            <m:r>
+                              <a:rPr lang="en-US" b="0" i="1" smtClean="0">
+                                <a:latin typeface="Cambria Math" panose="02040503050406030204" pitchFamily="18" charset="0"/>
+                              </a:rPr>
+                              <m:t>𝜂</m:t>
+                            </m:r>
+                          </m:e>
+                          <m:sub>
+                            <m:r>
+                              <a:rPr lang="en-US" b="0" i="1" smtClean="0">
+                                <a:latin typeface="Cambria Math" panose="02040503050406030204" pitchFamily="18" charset="0"/>
+                              </a:rPr>
+                              <m:t>1</m:t>
+                            </m:r>
+                          </m:sub>
+                        </m:sSub>
+                      </m:oMath>
+                    </m:oMathPara>
+                  </a14:m>
+                  <a:endParaRPr lang="en-US" dirty="0"/>
+                </a:p>
+              </p:txBody>
+            </p:sp>
+          </mc:Choice>
+          <mc:Fallback>
+            <p:sp>
+              <p:nvSpPr>
+                <p:cNvPr id="85" name="Cloud Callout 84"/>
+                <p:cNvSpPr>
+                  <a:spLocks noRot="1" noChangeAspect="1" noMove="1" noResize="1" noEditPoints="1" noAdjustHandles="1" noChangeArrowheads="1" noChangeShapeType="1" noTextEdit="1"/>
+                </p:cNvSpPr>
+                <p:nvPr/>
+              </p:nvSpPr>
+              <p:spPr>
+                <a:xfrm>
+                  <a:off x="763478" y="3690662"/>
+                  <a:ext cx="2713320" cy="980967"/>
+                </a:xfrm>
+                <a:prstGeom prst="cloudCallout">
+                  <a:avLst>
+                    <a:gd name="adj1" fmla="val -24894"/>
+                    <a:gd name="adj2" fmla="val 75609"/>
+                  </a:avLst>
+                </a:prstGeom>
+                <a:blipFill rotWithShape="0">
+                  <a:blip r:embed="rId10"/>
+                  <a:stretch>
+                    <a:fillRect/>
+                  </a:stretch>
+                </a:blipFill>
+              </p:spPr>
+              <p:txBody>
+                <a:bodyPr/>
+                <a:lstStyle/>
+                <a:p>
+                  <a:r>
+                    <a:rPr lang="en-US">
+                      <a:noFill/>
+                    </a:rPr>
+                    <a:t> </a:t>
+                  </a:r>
+                </a:p>
+              </p:txBody>
+            </p:sp>
+          </mc:Fallback>
+        </mc:AlternateContent>
+        <mc:AlternateContent xmlns:mc="http://schemas.openxmlformats.org/markup-compatibility/2006">
+          <mc:Choice xmlns:a14="http://schemas.microsoft.com/office/drawing/2010/main" Requires="a14">
+            <p:sp>
+              <p:nvSpPr>
+                <p:cNvPr id="86" name="Cloud Callout 85"/>
+                <p:cNvSpPr/>
+                <p:nvPr/>
+              </p:nvSpPr>
+              <p:spPr>
+                <a:xfrm>
+                  <a:off x="5685140" y="3645883"/>
+                  <a:ext cx="2728435" cy="980967"/>
+                </a:xfrm>
+                <a:prstGeom prst="cloudCallout">
+                  <a:avLst>
+                    <a:gd name="adj1" fmla="val 25381"/>
+                    <a:gd name="adj2" fmla="val 83715"/>
+                  </a:avLst>
+                </a:prstGeom>
+              </p:spPr>
+              <p:style>
+                <a:lnRef idx="2">
+                  <a:schemeClr val="dk1"/>
+                </a:lnRef>
+                <a:fillRef idx="1">
+                  <a:schemeClr val="lt1"/>
+                </a:fillRef>
+                <a:effectRef idx="0">
+                  <a:schemeClr val="dk1"/>
+                </a:effectRef>
+                <a:fontRef idx="minor">
+                  <a:schemeClr val="dk1"/>
+                </a:fontRef>
+              </p:style>
+              <p:txBody>
+                <a:bodyPr rtlCol="0" anchor="ctr"/>
+                <a:lstStyle/>
+                <a:p>
+                  <a:pPr algn="ctr"/>
+                  <a14:m>
+                    <m:oMathPara xmlns:m="http://schemas.openxmlformats.org/officeDocument/2006/math">
+                      <m:oMathParaPr>
+                        <m:jc m:val="centerGroup"/>
+                      </m:oMathParaPr>
+                      <m:oMath xmlns:m="http://schemas.openxmlformats.org/officeDocument/2006/math">
+                        <m:sSub>
+                          <m:sSubPr>
+                            <m:ctrlPr>
+                              <a:rPr lang="en-US" b="0" i="1" smtClean="0">
+                                <a:latin typeface="Cambria Math" panose="02040503050406030204" pitchFamily="18" charset="0"/>
+                              </a:rPr>
+                            </m:ctrlPr>
+                          </m:sSubPr>
+                          <m:e>
+                            <m:r>
+                              <a:rPr lang="en-US" b="0" i="1" smtClean="0">
+                                <a:latin typeface="Cambria Math" panose="02040503050406030204" pitchFamily="18" charset="0"/>
+                              </a:rPr>
+                              <m:t>𝑥</m:t>
+                            </m:r>
+                          </m:e>
+                          <m:sub>
+                            <m:r>
+                              <a:rPr lang="en-US" b="0" i="1" smtClean="0">
+                                <a:latin typeface="Cambria Math" panose="02040503050406030204" pitchFamily="18" charset="0"/>
+                              </a:rPr>
+                              <m:t>3</m:t>
+                            </m:r>
+                          </m:sub>
+                        </m:sSub>
+                        <m:r>
+                          <a:rPr lang="en-US" b="0" i="1" smtClean="0">
+                            <a:latin typeface="Cambria Math" panose="02040503050406030204" pitchFamily="18" charset="0"/>
+                          </a:rPr>
+                          <m:t>=</m:t>
+                        </m:r>
+                        <m:r>
+                          <a:rPr lang="en-US" b="0" i="1" smtClean="0">
+                            <a:latin typeface="Cambria Math" panose="02040503050406030204" pitchFamily="18" charset="0"/>
+                          </a:rPr>
+                          <m:t>𝜏</m:t>
+                        </m:r>
+                        <m:r>
+                          <a:rPr lang="en-US" b="0" i="1" smtClean="0">
+                            <a:latin typeface="Cambria Math" panose="02040503050406030204" pitchFamily="18" charset="0"/>
+                          </a:rPr>
+                          <m:t>+</m:t>
+                        </m:r>
+                        <m:sSub>
+                          <m:sSubPr>
+                            <m:ctrlPr>
+                              <a:rPr lang="en-US" b="0" i="1" smtClean="0">
+                                <a:latin typeface="Cambria Math" panose="02040503050406030204" pitchFamily="18" charset="0"/>
+                              </a:rPr>
+                            </m:ctrlPr>
+                          </m:sSubPr>
+                          <m:e>
+                            <m:r>
+                              <a:rPr lang="en-US" b="0" i="1" smtClean="0">
+                                <a:latin typeface="Cambria Math" panose="02040503050406030204" pitchFamily="18" charset="0"/>
+                              </a:rPr>
+                              <m:t>𝜂</m:t>
+                            </m:r>
+                          </m:e>
+                          <m:sub>
+                            <m:r>
+                              <a:rPr lang="en-US" b="0" i="1" smtClean="0">
+                                <a:latin typeface="Cambria Math" panose="02040503050406030204" pitchFamily="18" charset="0"/>
+                              </a:rPr>
+                              <m:t>3</m:t>
+                            </m:r>
+                          </m:sub>
+                        </m:sSub>
+                      </m:oMath>
+                    </m:oMathPara>
+                  </a14:m>
+                  <a:endParaRPr lang="en-US" dirty="0"/>
+                </a:p>
+              </p:txBody>
+            </p:sp>
+          </mc:Choice>
+          <mc:Fallback>
+            <p:sp>
+              <p:nvSpPr>
+                <p:cNvPr id="86" name="Cloud Callout 85"/>
+                <p:cNvSpPr>
+                  <a:spLocks noRot="1" noChangeAspect="1" noMove="1" noResize="1" noEditPoints="1" noAdjustHandles="1" noChangeArrowheads="1" noChangeShapeType="1" noTextEdit="1"/>
+                </p:cNvSpPr>
+                <p:nvPr/>
+              </p:nvSpPr>
+              <p:spPr>
+                <a:xfrm>
+                  <a:off x="5685140" y="3645883"/>
+                  <a:ext cx="2728435" cy="980967"/>
+                </a:xfrm>
+                <a:prstGeom prst="cloudCallout">
+                  <a:avLst>
+                    <a:gd name="adj1" fmla="val 25381"/>
+                    <a:gd name="adj2" fmla="val 83715"/>
+                  </a:avLst>
+                </a:prstGeom>
+                <a:blipFill rotWithShape="0">
+                  <a:blip r:embed="rId11"/>
+                  <a:stretch>
+                    <a:fillRect/>
+                  </a:stretch>
+                </a:blipFill>
+              </p:spPr>
+              <p:txBody>
+                <a:bodyPr/>
+                <a:lstStyle/>
+                <a:p>
+                  <a:r>
+                    <a:rPr lang="en-US">
+                      <a:noFill/>
+                    </a:rPr>
+                    <a:t> </a:t>
+                  </a:r>
+                </a:p>
+              </p:txBody>
+            </p:sp>
+          </mc:Fallback>
+        </mc:AlternateContent>
+      </p:grpSp>
+    </p:spTree>
+    <p:extLst>
+      <p:ext uri="{BB962C8B-B14F-4D97-AF65-F5344CB8AC3E}">
+        <p14:creationId xmlns:p14="http://schemas.microsoft.com/office/powerpoint/2010/main" val="1239017161"/>
+      </p:ext>
+    </p:extLst>
+  </p:cSld>
+  <p:clrMapOvr>
+    <a:masterClrMapping/>
+  </p:clrMapOvr>
+</p:sld>
+</file>
+
+<file path=ppt/slides/slide4.xml><?xml version="1.0" encoding="utf-8"?>
+<p:sld xmlns:a="http://schemas.openxmlformats.org/drawingml/2006/main" xmlns:r="http://schemas.openxmlformats.org/officeDocument/2006/relationships" xmlns:p="http://schemas.openxmlformats.org/presentationml/2006/main">
+  <p:cSld>
+    <p:spTree>
+      <p:nvGrpSpPr>
+        <p:cNvPr id="1" name=""/>
+        <p:cNvGrpSpPr/>
+        <p:nvPr/>
+      </p:nvGrpSpPr>
+      <p:grpSpPr>
+        <a:xfrm>
+          <a:off x="0" y="0"/>
+          <a:ext cx="0" cy="0"/>
+          <a:chOff x="0" y="0"/>
+          <a:chExt cx="0" cy="0"/>
+        </a:xfrm>
+      </p:grpSpPr>
       <p:pic>
         <p:nvPicPr>
           <p:cNvPr id="4" name="Picture 3"/>
@@ -8676,7 +10013,7 @@
                     <a:latin typeface="Times New Roman" panose="02020603050405020304" pitchFamily="18" charset="0"/>
                     <a:cs typeface="Times New Roman" panose="02020603050405020304" pitchFamily="18" charset="0"/>
                   </a:rPr>
-                  <a:t>3: </a:t>
+                  <a:t>4: </a:t>
                 </a:r>
                 <a:r>
                   <a:rPr lang="en-US" sz="1400" dirty="0" smtClean="0">

--- a/Nature/figures.pptx
+++ b/Nature/figures.pptx
@@ -2974,9 +2974,214 @@
           <a:chExt cx="0" cy="0"/>
         </a:xfrm>
       </p:grpSpPr>
+      <mc:AlternateContent xmlns:mc="http://schemas.openxmlformats.org/markup-compatibility/2006" xmlns:a14="http://schemas.microsoft.com/office/drawing/2010/main">
+        <mc:Choice Requires="a14">
+          <p:sp>
+            <p:nvSpPr>
+              <p:cNvPr id="3" name="TextBox 2"/>
+              <p:cNvSpPr txBox="1"/>
+              <p:nvPr/>
+            </p:nvSpPr>
+            <p:spPr>
+              <a:xfrm>
+                <a:off x="694874" y="9794098"/>
+                <a:ext cx="8211452" cy="738664"/>
+              </a:xfrm>
+              <a:prstGeom prst="rect">
+                <a:avLst/>
+              </a:prstGeom>
+              <a:noFill/>
+            </p:spPr>
+            <p:txBody>
+              <a:bodyPr wrap="square" rtlCol="0">
+                <a:spAutoFit/>
+              </a:bodyPr>
+              <a:lstStyle/>
+              <a:p>
+                <a:r>
+                  <a:rPr lang="en-US" sz="1400" dirty="0">
+                    <a:latin typeface="Times New Roman" panose="02020603050405020304" pitchFamily="18" charset="0"/>
+                    <a:cs typeface="Times New Roman" panose="02020603050405020304" pitchFamily="18" charset="0"/>
+                  </a:rPr>
+                  <a:t>Figure 1: A multi-agent fire fighting scenario set up as a global </a:t>
+                </a:r>
+                <a:r>
+                  <a:rPr lang="en-US" sz="1400" dirty="0" smtClean="0">
+                    <a:latin typeface="Times New Roman" panose="02020603050405020304" pitchFamily="18" charset="0"/>
+                    <a:cs typeface="Times New Roman" panose="02020603050405020304" pitchFamily="18" charset="0"/>
+                  </a:rPr>
+                  <a:t>game with concurrent benefit.  </a:t>
+                </a:r>
+                <a:r>
+                  <a:rPr lang="en-US" sz="1400" dirty="0">
+                    <a:latin typeface="Times New Roman" panose="02020603050405020304" pitchFamily="18" charset="0"/>
+                    <a:cs typeface="Times New Roman" panose="02020603050405020304" pitchFamily="18" charset="0"/>
+                  </a:rPr>
+                  <a:t>Each player's imperfect estimate of the </a:t>
+                </a:r>
+                <a:r>
+                  <a:rPr lang="en-US" sz="1400" dirty="0" smtClean="0">
+                    <a:latin typeface="Times New Roman" panose="02020603050405020304" pitchFamily="18" charset="0"/>
+                    <a:cs typeface="Times New Roman" panose="02020603050405020304" pitchFamily="18" charset="0"/>
+                  </a:rPr>
+                  <a:t>magnitude of the fire is </a:t>
+                </a:r>
+                <a:r>
+                  <a:rPr lang="en-US" sz="1400" dirty="0">
+                    <a:latin typeface="Times New Roman" panose="02020603050405020304" pitchFamily="18" charset="0"/>
+                    <a:cs typeface="Times New Roman" panose="02020603050405020304" pitchFamily="18" charset="0"/>
+                  </a:rPr>
+                  <a:t>represented by </a:t>
+                </a:r>
+                <a14:m>
+                  <m:oMath xmlns:m="http://schemas.openxmlformats.org/officeDocument/2006/math">
+                    <m:sSub>
+                      <m:sSubPr>
+                        <m:ctrlPr>
+                          <a:rPr lang="en-US" sz="1400" i="1">
+                            <a:latin typeface="Cambria Math" panose="02040503050406030204" pitchFamily="18" charset="0"/>
+                          </a:rPr>
+                        </m:ctrlPr>
+                      </m:sSubPr>
+                      <m:e>
+                        <m:r>
+                          <a:rPr lang="en-US" sz="1400" i="1">
+                            <a:latin typeface="Cambria Math" panose="02040503050406030204" pitchFamily="18" charset="0"/>
+                          </a:rPr>
+                          <m:t>𝑥</m:t>
+                        </m:r>
+                      </m:e>
+                      <m:sub>
+                        <m:r>
+                          <a:rPr lang="en-US" sz="1400" i="1">
+                            <a:latin typeface="Cambria Math" panose="02040503050406030204" pitchFamily="18" charset="0"/>
+                          </a:rPr>
+                          <m:t>𝑖</m:t>
+                        </m:r>
+                      </m:sub>
+                    </m:sSub>
+                  </m:oMath>
+                </a14:m>
+                <a:r>
+                  <a:rPr lang="en-US" sz="1400" dirty="0">
+                    <a:latin typeface="Times New Roman" panose="02020603050405020304" pitchFamily="18" charset="0"/>
+                    <a:cs typeface="Times New Roman" panose="02020603050405020304" pitchFamily="18" charset="0"/>
+                  </a:rPr>
+                  <a:t>, </a:t>
+                </a:r>
+                <a:r>
+                  <a:rPr lang="en-US" sz="1400" dirty="0" smtClean="0">
+                    <a:latin typeface="Times New Roman" panose="02020603050405020304" pitchFamily="18" charset="0"/>
+                    <a:cs typeface="Times New Roman" panose="02020603050405020304" pitchFamily="18" charset="0"/>
+                  </a:rPr>
+                  <a:t>comprising the common stimulus </a:t>
+                </a:r>
+                <a14:m>
+                  <m:oMath xmlns:m="http://schemas.openxmlformats.org/officeDocument/2006/math">
+                    <m:r>
+                      <a:rPr lang="en-US" sz="1400" i="1">
+                        <a:latin typeface="Cambria Math" panose="02040503050406030204" pitchFamily="18" charset="0"/>
+                      </a:rPr>
+                      <m:t>𝜏</m:t>
+                    </m:r>
+                  </m:oMath>
+                </a14:m>
+                <a:r>
+                  <a:rPr lang="en-US" sz="1400" dirty="0">
+                    <a:latin typeface="Times New Roman" panose="02020603050405020304" pitchFamily="18" charset="0"/>
+                    <a:cs typeface="Times New Roman" panose="02020603050405020304" pitchFamily="18" charset="0"/>
+                  </a:rPr>
+                  <a:t> and noisy sensor </a:t>
+                </a:r>
+                <a:r>
+                  <a:rPr lang="en-US" sz="1400" dirty="0" smtClean="0">
+                    <a:latin typeface="Times New Roman" panose="02020603050405020304" pitchFamily="18" charset="0"/>
+                    <a:cs typeface="Times New Roman" panose="02020603050405020304" pitchFamily="18" charset="0"/>
+                  </a:rPr>
+                  <a:t>measurements </a:t>
+                </a:r>
+                <a14:m>
+                  <m:oMath xmlns:m="http://schemas.openxmlformats.org/officeDocument/2006/math">
+                    <m:sSub>
+                      <m:sSubPr>
+                        <m:ctrlPr>
+                          <a:rPr lang="en-US" sz="1400" i="1">
+                            <a:latin typeface="Cambria Math" panose="02040503050406030204" pitchFamily="18" charset="0"/>
+                          </a:rPr>
+                        </m:ctrlPr>
+                      </m:sSubPr>
+                      <m:e>
+                        <m:r>
+                          <a:rPr lang="en-US" sz="1400" i="1">
+                            <a:latin typeface="Cambria Math" panose="02040503050406030204" pitchFamily="18" charset="0"/>
+                          </a:rPr>
+                          <m:t>𝜂</m:t>
+                        </m:r>
+                      </m:e>
+                      <m:sub>
+                        <m:r>
+                          <a:rPr lang="en-US" sz="1400" i="1">
+                            <a:latin typeface="Cambria Math" panose="02040503050406030204" pitchFamily="18" charset="0"/>
+                          </a:rPr>
+                          <m:t>𝑖</m:t>
+                        </m:r>
+                      </m:sub>
+                    </m:sSub>
+                  </m:oMath>
+                </a14:m>
+                <a:r>
+                  <a:rPr lang="en-US" sz="1400" dirty="0">
+                    <a:latin typeface="Times New Roman" panose="02020603050405020304" pitchFamily="18" charset="0"/>
+                    <a:cs typeface="Times New Roman" panose="02020603050405020304" pitchFamily="18" charset="0"/>
+                  </a:rPr>
+                  <a:t>.</a:t>
+                </a:r>
+              </a:p>
+            </p:txBody>
+          </p:sp>
+        </mc:Choice>
+        <mc:Fallback xmlns="">
+          <p:sp>
+            <p:nvSpPr>
+              <p:cNvPr id="3" name="TextBox 2"/>
+              <p:cNvSpPr txBox="1">
+                <a:spLocks noRot="1" noChangeAspect="1" noMove="1" noResize="1" noEditPoints="1" noAdjustHandles="1" noChangeArrowheads="1" noChangeShapeType="1" noTextEdit="1"/>
+              </p:cNvSpPr>
+              <p:nvPr/>
+            </p:nvSpPr>
+            <p:spPr>
+              <a:xfrm>
+                <a:off x="694874" y="9794098"/>
+                <a:ext cx="8211452" cy="738664"/>
+              </a:xfrm>
+              <a:prstGeom prst="rect">
+                <a:avLst/>
+              </a:prstGeom>
+              <a:blipFill rotWithShape="0">
+                <a:blip r:embed="rId11"/>
+                <a:stretch>
+                  <a:fillRect l="-223" t="-1653" b="-7438"/>
+                </a:stretch>
+              </a:blipFill>
+            </p:spPr>
+            <p:txBody>
+              <a:bodyPr/>
+              <a:lstStyle/>
+              <a:p>
+                <a:r>
+                  <a:rPr lang="en-US">
+                    <a:noFill/>
+                  </a:rPr>
+                  <a:t> </a:t>
+                </a:r>
+              </a:p>
+            </p:txBody>
+          </p:sp>
+        </mc:Fallback>
+      </mc:AlternateContent>
       <p:grpSp>
         <p:nvGrpSpPr>
-          <p:cNvPr id="4" name="Group 3"/>
+          <p:cNvPr id="85" name="Group 84"/>
           <p:cNvGrpSpPr/>
           <p:nvPr/>
         </p:nvGrpSpPr>
@@ -2984,7 +3189,7 @@
           <a:xfrm>
             <a:off x="412402" y="1121765"/>
             <a:ext cx="8776396" cy="7967219"/>
-            <a:chOff x="375490" y="1121765"/>
+            <a:chOff x="412402" y="1121765"/>
             <a:chExt cx="8776396" cy="7967219"/>
           </a:xfrm>
         </p:grpSpPr>
@@ -2996,7 +3201,7 @@
           </p:nvSpPr>
           <p:spPr>
             <a:xfrm>
-              <a:off x="1422291" y="1581534"/>
+              <a:off x="1459203" y="1581534"/>
               <a:ext cx="5927594" cy="5865469"/>
             </a:xfrm>
             <a:prstGeom prst="ellipse">
@@ -3066,8 +3271,8 @@
           </p:nvCxnSpPr>
           <p:spPr>
             <a:xfrm flipV="1">
-              <a:off x="4703456" y="2440512"/>
-              <a:ext cx="1778353" cy="1626673"/>
+              <a:off x="4608780" y="2440512"/>
+              <a:ext cx="1909941" cy="1729811"/>
             </a:xfrm>
             <a:prstGeom prst="line">
               <a:avLst/>
@@ -3105,8 +3310,8 @@
           </p:nvCxnSpPr>
           <p:spPr>
             <a:xfrm flipV="1">
-              <a:off x="4703455" y="4514268"/>
-              <a:ext cx="2646430" cy="23068"/>
+              <a:off x="4800600" y="4514269"/>
+              <a:ext cx="2586197" cy="61516"/>
             </a:xfrm>
             <a:prstGeom prst="line">
               <a:avLst/>
@@ -3144,8 +3349,8 @@
           </p:nvCxnSpPr>
           <p:spPr>
             <a:xfrm>
-              <a:off x="4703456" y="4942089"/>
-              <a:ext cx="1778353" cy="1645935"/>
+              <a:off x="4718921" y="4974038"/>
+              <a:ext cx="1799800" cy="1613987"/>
             </a:xfrm>
             <a:prstGeom prst="line">
               <a:avLst/>
@@ -3173,8 +3378,8 @@
             </a:fontRef>
           </p:style>
         </p:cxnSp>
-        <mc:AlternateContent xmlns:mc="http://schemas.openxmlformats.org/markup-compatibility/2006" xmlns:a14="http://schemas.microsoft.com/office/drawing/2010/main">
-          <mc:Choice Requires="a14">
+        <mc:AlternateContent xmlns:mc="http://schemas.openxmlformats.org/markup-compatibility/2006">
+          <mc:Choice xmlns:a14="http://schemas.microsoft.com/office/drawing/2010/main" Requires="a14">
             <p:sp>
               <p:nvSpPr>
                 <p:cNvPr id="16" name="TextBox 15"/>
@@ -3183,7 +3388,7 @@
               </p:nvSpPr>
               <p:spPr>
                 <a:xfrm>
-                  <a:off x="5861546" y="3773708"/>
+                  <a:off x="5898458" y="3773708"/>
                   <a:ext cx="896849" cy="523220"/>
                 </a:xfrm>
                 <a:prstGeom prst="rect">
@@ -3261,7 +3466,7 @@
               </p:txBody>
             </p:sp>
           </mc:Choice>
-          <mc:Fallback xmlns="">
+          <mc:Fallback>
             <p:sp>
               <p:nvSpPr>
                 <p:cNvPr id="16" name="TextBox 15"/>
@@ -3272,14 +3477,14 @@
               </p:nvSpPr>
               <p:spPr>
                 <a:xfrm>
-                  <a:off x="5861546" y="3773708"/>
+                  <a:off x="5898458" y="3773708"/>
                   <a:ext cx="896849" cy="523220"/>
                 </a:xfrm>
                 <a:prstGeom prst="rect">
                   <a:avLst/>
                 </a:prstGeom>
                 <a:blipFill rotWithShape="0">
-                  <a:blip r:embed="rId2"/>
+                  <a:blip r:embed="rId12"/>
                   <a:stretch>
                     <a:fillRect/>
                   </a:stretch>
@@ -3300,8 +3505,8 @@
             </p:sp>
           </mc:Fallback>
         </mc:AlternateContent>
-        <mc:AlternateContent xmlns:mc="http://schemas.openxmlformats.org/markup-compatibility/2006" xmlns:a14="http://schemas.microsoft.com/office/drawing/2010/main">
-          <mc:Choice Requires="a14">
+        <mc:AlternateContent xmlns:mc="http://schemas.openxmlformats.org/markup-compatibility/2006">
+          <mc:Choice xmlns:a14="http://schemas.microsoft.com/office/drawing/2010/main" Requires="a14">
             <p:sp>
               <p:nvSpPr>
                 <p:cNvPr id="17" name="TextBox 16"/>
@@ -3310,7 +3515,7 @@
               </p:nvSpPr>
               <p:spPr>
                 <a:xfrm>
-                  <a:off x="5629519" y="1121765"/>
+                  <a:off x="5666431" y="1121765"/>
                   <a:ext cx="2034275" cy="523220"/>
                 </a:xfrm>
                 <a:prstGeom prst="rect">
@@ -3410,7 +3615,7 @@
               </p:txBody>
             </p:sp>
           </mc:Choice>
-          <mc:Fallback xmlns="">
+          <mc:Fallback>
             <p:sp>
               <p:nvSpPr>
                 <p:cNvPr id="17" name="TextBox 16"/>
@@ -3421,14 +3626,14 @@
               </p:nvSpPr>
               <p:spPr>
                 <a:xfrm>
-                  <a:off x="5629519" y="1121765"/>
+                  <a:off x="5666431" y="1121765"/>
                   <a:ext cx="2034275" cy="523220"/>
                 </a:xfrm>
                 <a:prstGeom prst="rect">
                   <a:avLst/>
                 </a:prstGeom>
                 <a:blipFill rotWithShape="0">
-                  <a:blip r:embed="rId3"/>
+                  <a:blip r:embed="rId13"/>
                   <a:stretch>
                     <a:fillRect/>
                   </a:stretch>
@@ -3457,7 +3662,7 @@
           </p:nvGrpSpPr>
           <p:grpSpPr>
             <a:xfrm rot="19235259">
-              <a:off x="6540339" y="1736695"/>
+              <a:off x="6577251" y="1736695"/>
               <a:ext cx="761531" cy="761531"/>
               <a:chOff x="7188591" y="337625"/>
               <a:chExt cx="3291840" cy="3291840"/>
@@ -3629,7 +3834,7 @@
           </p:nvGrpSpPr>
           <p:grpSpPr>
             <a:xfrm>
-              <a:off x="7630404" y="4233118"/>
+              <a:off x="7667316" y="4233118"/>
               <a:ext cx="761531" cy="761531"/>
               <a:chOff x="7188591" y="337625"/>
               <a:chExt cx="3291840" cy="3291840"/>
@@ -3801,7 +4006,7 @@
           </p:nvGrpSpPr>
           <p:grpSpPr>
             <a:xfrm rot="2217289">
-              <a:off x="6468222" y="6601062"/>
+              <a:off x="6505134" y="6601062"/>
               <a:ext cx="761531" cy="761531"/>
               <a:chOff x="7188591" y="337625"/>
               <a:chExt cx="3291840" cy="3291840"/>
@@ -3965,8 +4170,8 @@
             </p:txBody>
           </p:sp>
         </p:grpSp>
-        <mc:AlternateContent xmlns:mc="http://schemas.openxmlformats.org/markup-compatibility/2006" xmlns:a14="http://schemas.microsoft.com/office/drawing/2010/main">
-          <mc:Choice Requires="a14">
+        <mc:AlternateContent xmlns:mc="http://schemas.openxmlformats.org/markup-compatibility/2006">
+          <mc:Choice xmlns:a14="http://schemas.microsoft.com/office/drawing/2010/main" Requires="a14">
             <p:sp>
               <p:nvSpPr>
                 <p:cNvPr id="30" name="TextBox 29"/>
@@ -3975,7 +4180,7 @@
               </p:nvSpPr>
               <p:spPr>
                 <a:xfrm>
-                  <a:off x="4872417" y="2437502"/>
+                  <a:off x="4909329" y="2437502"/>
                   <a:ext cx="888577" cy="523220"/>
                 </a:xfrm>
                 <a:prstGeom prst="rect">
@@ -4053,7 +4258,7 @@
               </p:txBody>
             </p:sp>
           </mc:Choice>
-          <mc:Fallback xmlns="">
+          <mc:Fallback>
             <p:sp>
               <p:nvSpPr>
                 <p:cNvPr id="30" name="TextBox 29"/>
@@ -4064,14 +4269,14 @@
               </p:nvSpPr>
               <p:spPr>
                 <a:xfrm>
-                  <a:off x="4872417" y="2437502"/>
+                  <a:off x="4909329" y="2437502"/>
                   <a:ext cx="888577" cy="523220"/>
                 </a:xfrm>
                 <a:prstGeom prst="rect">
                   <a:avLst/>
                 </a:prstGeom>
                 <a:blipFill rotWithShape="0">
-                  <a:blip r:embed="rId4"/>
+                  <a:blip r:embed="rId14"/>
                   <a:stretch>
                     <a:fillRect/>
                   </a:stretch>
@@ -4092,8 +4297,8 @@
             </p:sp>
           </mc:Fallback>
         </mc:AlternateContent>
-        <mc:AlternateContent xmlns:mc="http://schemas.openxmlformats.org/markup-compatibility/2006" xmlns:a14="http://schemas.microsoft.com/office/drawing/2010/main">
-          <mc:Choice Requires="a14">
+        <mc:AlternateContent xmlns:mc="http://schemas.openxmlformats.org/markup-compatibility/2006">
+          <mc:Choice xmlns:a14="http://schemas.microsoft.com/office/drawing/2010/main" Requires="a14">
             <p:sp>
               <p:nvSpPr>
                 <p:cNvPr id="31" name="TextBox 30"/>
@@ -4102,7 +4307,7 @@
               </p:nvSpPr>
               <p:spPr>
                 <a:xfrm>
-                  <a:off x="4703456" y="5674247"/>
+                  <a:off x="4740368" y="5674247"/>
                   <a:ext cx="896849" cy="523220"/>
                 </a:xfrm>
                 <a:prstGeom prst="rect">
@@ -4180,7 +4385,7 @@
               </p:txBody>
             </p:sp>
           </mc:Choice>
-          <mc:Fallback xmlns="">
+          <mc:Fallback>
             <p:sp>
               <p:nvSpPr>
                 <p:cNvPr id="31" name="TextBox 30"/>
@@ -4191,14 +4396,14 @@
               </p:nvSpPr>
               <p:spPr>
                 <a:xfrm>
-                  <a:off x="4703456" y="5674247"/>
+                  <a:off x="4740368" y="5674247"/>
                   <a:ext cx="896849" cy="523220"/>
                 </a:xfrm>
                 <a:prstGeom prst="rect">
                   <a:avLst/>
                 </a:prstGeom>
                 <a:blipFill rotWithShape="0">
-                  <a:blip r:embed="rId5"/>
+                  <a:blip r:embed="rId15"/>
                   <a:stretch>
                     <a:fillRect/>
                   </a:stretch>
@@ -4219,8 +4424,8 @@
             </p:sp>
           </mc:Fallback>
         </mc:AlternateContent>
-        <mc:AlternateContent xmlns:mc="http://schemas.openxmlformats.org/markup-compatibility/2006" xmlns:a14="http://schemas.microsoft.com/office/drawing/2010/main">
-          <mc:Choice Requires="a14">
+        <mc:AlternateContent xmlns:mc="http://schemas.openxmlformats.org/markup-compatibility/2006">
+          <mc:Choice xmlns:a14="http://schemas.microsoft.com/office/drawing/2010/main" Requires="a14">
             <p:sp>
               <p:nvSpPr>
                 <p:cNvPr id="33" name="TextBox 32"/>
@@ -4229,7 +4434,7 @@
               </p:nvSpPr>
               <p:spPr>
                 <a:xfrm>
-                  <a:off x="7101068" y="3584131"/>
+                  <a:off x="7137980" y="3584131"/>
                   <a:ext cx="2050818" cy="523220"/>
                 </a:xfrm>
                 <a:prstGeom prst="rect">
@@ -4329,7 +4534,7 @@
               </p:txBody>
             </p:sp>
           </mc:Choice>
-          <mc:Fallback xmlns="">
+          <mc:Fallback>
             <p:sp>
               <p:nvSpPr>
                 <p:cNvPr id="33" name="TextBox 32"/>
@@ -4340,14 +4545,14 @@
               </p:nvSpPr>
               <p:spPr>
                 <a:xfrm>
-                  <a:off x="7101068" y="3584131"/>
+                  <a:off x="7137980" y="3584131"/>
                   <a:ext cx="2050818" cy="523220"/>
                 </a:xfrm>
                 <a:prstGeom prst="rect">
                   <a:avLst/>
                 </a:prstGeom>
                 <a:blipFill rotWithShape="0">
-                  <a:blip r:embed="rId6"/>
+                  <a:blip r:embed="rId16"/>
                   <a:stretch>
                     <a:fillRect/>
                   </a:stretch>
@@ -4368,8 +4573,8 @@
             </p:sp>
           </mc:Fallback>
         </mc:AlternateContent>
-        <mc:AlternateContent xmlns:mc="http://schemas.openxmlformats.org/markup-compatibility/2006" xmlns:a14="http://schemas.microsoft.com/office/drawing/2010/main">
-          <mc:Choice Requires="a14">
+        <mc:AlternateContent xmlns:mc="http://schemas.openxmlformats.org/markup-compatibility/2006">
+          <mc:Choice xmlns:a14="http://schemas.microsoft.com/office/drawing/2010/main" Requires="a14">
             <p:sp>
               <p:nvSpPr>
                 <p:cNvPr id="34" name="TextBox 33"/>
@@ -4378,7 +4583,7 @@
               </p:nvSpPr>
               <p:spPr>
                 <a:xfrm>
-                  <a:off x="5673502" y="7312169"/>
+                  <a:off x="5710414" y="7312169"/>
                   <a:ext cx="2050818" cy="523220"/>
                 </a:xfrm>
                 <a:prstGeom prst="rect">
@@ -4478,7 +4683,7 @@
               </p:txBody>
             </p:sp>
           </mc:Choice>
-          <mc:Fallback xmlns="">
+          <mc:Fallback>
             <p:sp>
               <p:nvSpPr>
                 <p:cNvPr id="34" name="TextBox 33"/>
@@ -4489,14 +4694,14 @@
               </p:nvSpPr>
               <p:spPr>
                 <a:xfrm>
-                  <a:off x="5673502" y="7312169"/>
+                  <a:off x="5710414" y="7312169"/>
                   <a:ext cx="2050818" cy="523220"/>
                 </a:xfrm>
                 <a:prstGeom prst="rect">
                   <a:avLst/>
                 </a:prstGeom>
                 <a:blipFill rotWithShape="0">
-                  <a:blip r:embed="rId7"/>
+                  <a:blip r:embed="rId17"/>
                   <a:stretch>
                     <a:fillRect/>
                   </a:stretch>
@@ -4525,10 +4730,10 @@
           </p:nvGrpSpPr>
           <p:grpSpPr>
             <a:xfrm rot="13406099">
-              <a:off x="1330974" y="1948788"/>
+              <a:off x="1639470" y="1779392"/>
               <a:ext cx="761531" cy="761531"/>
-              <a:chOff x="7188591" y="337625"/>
-              <a:chExt cx="3291840" cy="3291840"/>
+              <a:chOff x="6839548" y="1676482"/>
+              <a:chExt cx="3291840" cy="3291842"/>
             </a:xfrm>
           </p:grpSpPr>
           <p:sp>
@@ -4539,8 +4744,8 @@
             </p:nvSpPr>
             <p:spPr>
               <a:xfrm>
-                <a:off x="7188591" y="337625"/>
-                <a:ext cx="3291840" cy="3291840"/>
+                <a:off x="6839548" y="1676482"/>
+                <a:ext cx="3291840" cy="3291842"/>
               </a:xfrm>
               <a:prstGeom prst="donut">
                 <a:avLst>
@@ -4612,8 +4817,8 @@
             </p:nvSpPr>
             <p:spPr>
               <a:xfrm>
-                <a:off x="7818480" y="962233"/>
-                <a:ext cx="2033696" cy="2042624"/>
+                <a:off x="7469440" y="2301088"/>
+                <a:ext cx="2033695" cy="2042627"/>
               </a:xfrm>
               <a:prstGeom prst="ellipse">
                 <a:avLst/>
@@ -4655,8 +4860,8 @@
             </p:nvSpPr>
             <p:spPr>
               <a:xfrm>
-                <a:off x="7976382" y="1732478"/>
-                <a:ext cx="239150" cy="490218"/>
+                <a:off x="7627338" y="3071340"/>
+                <a:ext cx="239151" cy="490216"/>
               </a:xfrm>
               <a:prstGeom prst="rect">
                 <a:avLst/>
@@ -4697,9 +4902,9 @@
           </p:nvGrpSpPr>
           <p:grpSpPr>
             <a:xfrm rot="9082740">
-              <a:off x="1125817" y="5922576"/>
+              <a:off x="1589720" y="6468324"/>
               <a:ext cx="761531" cy="761531"/>
-              <a:chOff x="7188591" y="337625"/>
+              <a:chOff x="6698423" y="-2617333"/>
               <a:chExt cx="3291840" cy="3291840"/>
             </a:xfrm>
           </p:grpSpPr>
@@ -4711,7 +4916,7 @@
             </p:nvSpPr>
             <p:spPr>
               <a:xfrm>
-                <a:off x="7188591" y="337625"/>
+                <a:off x="6698423" y="-2617333"/>
                 <a:ext cx="3291840" cy="3291840"/>
               </a:xfrm>
               <a:prstGeom prst="donut">
@@ -4784,8 +4989,8 @@
             </p:nvSpPr>
             <p:spPr>
               <a:xfrm>
-                <a:off x="7818480" y="962233"/>
-                <a:ext cx="2033696" cy="2042624"/>
+                <a:off x="7328313" y="-1992725"/>
+                <a:ext cx="2033695" cy="2042625"/>
               </a:xfrm>
               <a:prstGeom prst="ellipse">
                 <a:avLst/>
@@ -4827,8 +5032,8 @@
             </p:nvSpPr>
             <p:spPr>
               <a:xfrm>
-                <a:off x="7976382" y="1732478"/>
-                <a:ext cx="239150" cy="490218"/>
+                <a:off x="7486217" y="-1222483"/>
+                <a:ext cx="239151" cy="490220"/>
               </a:xfrm>
               <a:prstGeom prst="rect">
                 <a:avLst/>
@@ -4861,8 +5066,8 @@
             </p:txBody>
           </p:sp>
         </p:grpSp>
-        <mc:AlternateContent xmlns:mc="http://schemas.openxmlformats.org/markup-compatibility/2006" xmlns:a14="http://schemas.microsoft.com/office/drawing/2010/main">
-          <mc:Choice Requires="a14">
+        <mc:AlternateContent xmlns:mc="http://schemas.openxmlformats.org/markup-compatibility/2006">
+          <mc:Choice xmlns:a14="http://schemas.microsoft.com/office/drawing/2010/main" Requires="a14">
             <p:sp>
               <p:nvSpPr>
                 <p:cNvPr id="14" name="TextBox 13"/>
@@ -4871,7 +5076,7 @@
               </p:nvSpPr>
               <p:spPr>
                 <a:xfrm>
-                  <a:off x="1394559" y="1336275"/>
+                  <a:off x="1431471" y="1336275"/>
                   <a:ext cx="444161" cy="430887"/>
                 </a:xfrm>
                 <a:prstGeom prst="rect">
@@ -4928,7 +5133,7 @@
               </p:txBody>
             </p:sp>
           </mc:Choice>
-          <mc:Fallback xmlns="">
+          <mc:Fallback>
             <p:sp>
               <p:nvSpPr>
                 <p:cNvPr id="14" name="TextBox 13"/>
@@ -4939,14 +5144,14 @@
               </p:nvSpPr>
               <p:spPr>
                 <a:xfrm>
-                  <a:off x="1394559" y="1336275"/>
+                  <a:off x="1431471" y="1336275"/>
                   <a:ext cx="444161" cy="430887"/>
                 </a:xfrm>
                 <a:prstGeom prst="rect">
                   <a:avLst/>
                 </a:prstGeom>
                 <a:blipFill rotWithShape="0">
-                  <a:blip r:embed="rId8"/>
+                  <a:blip r:embed="rId18"/>
                   <a:stretch>
                     <a:fillRect/>
                   </a:stretch>
@@ -4967,8 +5172,8 @@
             </p:sp>
           </mc:Fallback>
         </mc:AlternateContent>
-        <mc:AlternateContent xmlns:mc="http://schemas.openxmlformats.org/markup-compatibility/2006" xmlns:a14="http://schemas.microsoft.com/office/drawing/2010/main">
-          <mc:Choice Requires="a14">
+        <mc:AlternateContent xmlns:mc="http://schemas.openxmlformats.org/markup-compatibility/2006">
+          <mc:Choice xmlns:a14="http://schemas.microsoft.com/office/drawing/2010/main" Requires="a14">
             <p:sp>
               <p:nvSpPr>
                 <p:cNvPr id="43" name="TextBox 42"/>
@@ -4977,7 +5182,7 @@
               </p:nvSpPr>
               <p:spPr>
                 <a:xfrm>
-                  <a:off x="1231108" y="6623512"/>
+                  <a:off x="1283129" y="6913337"/>
                   <a:ext cx="444161" cy="430887"/>
                 </a:xfrm>
                 <a:prstGeom prst="rect">
@@ -5034,7 +5239,7 @@
               </p:txBody>
             </p:sp>
           </mc:Choice>
-          <mc:Fallback xmlns="">
+          <mc:Fallback>
             <p:sp>
               <p:nvSpPr>
                 <p:cNvPr id="43" name="TextBox 42"/>
@@ -5045,14 +5250,14 @@
               </p:nvSpPr>
               <p:spPr>
                 <a:xfrm>
-                  <a:off x="1231108" y="6623512"/>
+                  <a:off x="1283129" y="6913337"/>
                   <a:ext cx="444161" cy="430887"/>
                 </a:xfrm>
                 <a:prstGeom prst="rect">
                   <a:avLst/>
                 </a:prstGeom>
                 <a:blipFill rotWithShape="0">
-                  <a:blip r:embed="rId9"/>
+                  <a:blip r:embed="rId19"/>
                   <a:stretch>
                     <a:fillRect/>
                   </a:stretch>
@@ -5081,7 +5286,7 @@
           </p:nvGrpSpPr>
           <p:grpSpPr>
             <a:xfrm rot="9082740">
-              <a:off x="1664096" y="8223034"/>
+              <a:off x="1701008" y="8223034"/>
               <a:ext cx="761531" cy="761531"/>
               <a:chOff x="7188591" y="337625"/>
               <a:chExt cx="3291840" cy="3291840"/>
@@ -5253,7 +5458,7 @@
           </p:nvGrpSpPr>
           <p:grpSpPr>
             <a:xfrm rot="13196464">
-              <a:off x="4322689" y="8327453"/>
+              <a:off x="4359601" y="8327453"/>
               <a:ext cx="761531" cy="761531"/>
               <a:chOff x="7188591" y="337625"/>
               <a:chExt cx="3291840" cy="3291840"/>
@@ -5425,7 +5630,7 @@
           </p:nvGrpSpPr>
           <p:grpSpPr>
             <a:xfrm rot="9082740">
-              <a:off x="3065181" y="7706401"/>
+              <a:off x="3102093" y="7706401"/>
               <a:ext cx="761531" cy="761531"/>
               <a:chOff x="7188591" y="337625"/>
               <a:chExt cx="3291840" cy="3291840"/>
@@ -5597,7 +5802,7 @@
           </p:nvGrpSpPr>
           <p:grpSpPr>
             <a:xfrm rot="16617234">
-              <a:off x="375490" y="3143406"/>
+              <a:off x="412402" y="3143406"/>
               <a:ext cx="761531" cy="761531"/>
               <a:chOff x="7188591" y="337625"/>
               <a:chExt cx="3291840" cy="3291840"/>
@@ -5769,7 +5974,7 @@
           </p:nvGrpSpPr>
           <p:grpSpPr>
             <a:xfrm rot="9082740">
-              <a:off x="8201383" y="6067878"/>
+              <a:off x="8238295" y="6067878"/>
               <a:ext cx="761531" cy="761531"/>
               <a:chOff x="7188591" y="337625"/>
               <a:chExt cx="3291840" cy="3291840"/>
@@ -5933,8 +6138,8 @@
             </p:txBody>
           </p:sp>
         </p:grpSp>
-        <mc:AlternateContent xmlns:mc="http://schemas.openxmlformats.org/markup-compatibility/2006" xmlns:a14="http://schemas.microsoft.com/office/drawing/2010/main">
-          <mc:Choice Requires="a14">
+        <mc:AlternateContent xmlns:mc="http://schemas.openxmlformats.org/markup-compatibility/2006">
+          <mc:Choice xmlns:a14="http://schemas.microsoft.com/office/drawing/2010/main" Requires="a14">
             <p:sp>
               <p:nvSpPr>
                 <p:cNvPr id="66" name="TextBox 65"/>
@@ -5943,8 +6148,8 @@
               </p:nvSpPr>
               <p:spPr>
                 <a:xfrm>
-                  <a:off x="2965913" y="4065186"/>
-                  <a:ext cx="2771216" cy="954107"/>
+                  <a:off x="4395207" y="3817948"/>
+                  <a:ext cx="310742" cy="1323439"/>
                 </a:xfrm>
                 <a:prstGeom prst="rect">
                   <a:avLst/>
@@ -5958,71 +6163,26 @@
                 <a:lstStyle/>
                 <a:p>
                   <a:pPr algn="ctr"/>
-                  <a:r>
-                    <a:rPr lang="en-US" sz="2800" dirty="0">
-                      <a:solidFill>
-                        <a:schemeClr val="bg1"/>
-                      </a:solidFill>
-                      <a:latin typeface="Times New Roman" panose="02020603050405020304" pitchFamily="18" charset="0"/>
-                      <a:cs typeface="Times New Roman" panose="02020603050405020304" pitchFamily="18" charset="0"/>
-                    </a:rPr>
-                    <a:t>t</a:t>
-                  </a:r>
-                  <a:r>
-                    <a:rPr lang="en-US" sz="2800" dirty="0" smtClean="0">
-                      <a:solidFill>
-                        <a:schemeClr val="bg1"/>
-                      </a:solidFill>
-                      <a:latin typeface="Times New Roman" panose="02020603050405020304" pitchFamily="18" charset="0"/>
-                      <a:cs typeface="Times New Roman" panose="02020603050405020304" pitchFamily="18" charset="0"/>
-                    </a:rPr>
-                    <a:t>ask</a:t>
-                  </a:r>
-                  <a:endParaRPr lang="en-US" sz="2800" dirty="0">
-                    <a:solidFill>
-                      <a:schemeClr val="bg1"/>
-                    </a:solidFill>
-                    <a:latin typeface="Times New Roman" panose="02020603050405020304" pitchFamily="18" charset="0"/>
-                    <a:cs typeface="Times New Roman" panose="02020603050405020304" pitchFamily="18" charset="0"/>
-                  </a:endParaRPr>
-                </a:p>
-                <a:p>
-                  <a:pPr algn="ctr"/>
-                  <a:r>
-                    <a:rPr lang="en-US" sz="2800" dirty="0">
-                      <a:solidFill>
-                        <a:schemeClr val="bg1"/>
-                      </a:solidFill>
-                      <a:latin typeface="Times New Roman" panose="02020603050405020304" pitchFamily="18" charset="0"/>
-                      <a:cs typeface="Times New Roman" panose="02020603050405020304" pitchFamily="18" charset="0"/>
-                    </a:rPr>
-                    <a:t>s</a:t>
-                  </a:r>
-                  <a:r>
-                    <a:rPr lang="en-US" sz="2800" dirty="0" smtClean="0">
-                      <a:solidFill>
-                        <a:schemeClr val="bg1"/>
-                      </a:solidFill>
-                      <a:latin typeface="Times New Roman" panose="02020603050405020304" pitchFamily="18" charset="0"/>
-                      <a:cs typeface="Times New Roman" panose="02020603050405020304" pitchFamily="18" charset="0"/>
-                    </a:rPr>
-                    <a:t>timulus = </a:t>
-                  </a:r>
                   <a14:m>
-                    <m:oMath xmlns:m="http://schemas.openxmlformats.org/officeDocument/2006/math">
-                      <m:r>
-                        <a:rPr lang="en-US" sz="2800" i="1">
-                          <a:solidFill>
-                            <a:schemeClr val="bg1"/>
-                          </a:solidFill>
-                          <a:latin typeface="Cambria Math" panose="02040503050406030204" pitchFamily="18" charset="0"/>
-                          <a:cs typeface="Times New Roman" panose="02020603050405020304" pitchFamily="18" charset="0"/>
-                        </a:rPr>
-                        <m:t>𝜏</m:t>
-                      </m:r>
-                    </m:oMath>
+                    <m:oMathPara xmlns:m="http://schemas.openxmlformats.org/officeDocument/2006/math">
+                      <m:oMathParaPr>
+                        <m:jc m:val="centerGroup"/>
+                      </m:oMathParaPr>
+                      <m:oMath xmlns:m="http://schemas.openxmlformats.org/officeDocument/2006/math">
+                        <m:r>
+                          <a:rPr lang="en-US" sz="8000" i="1">
+                            <a:solidFill>
+                              <a:schemeClr val="bg1"/>
+                            </a:solidFill>
+                            <a:latin typeface="Cambria Math" panose="02040503050406030204" pitchFamily="18" charset="0"/>
+                            <a:cs typeface="Times New Roman" panose="02020603050405020304" pitchFamily="18" charset="0"/>
+                          </a:rPr>
+                          <m:t>𝜏</m:t>
+                        </m:r>
+                      </m:oMath>
+                    </m:oMathPara>
                   </a14:m>
-                  <a:endParaRPr lang="en-US" sz="2800" dirty="0">
+                  <a:endParaRPr lang="en-US" sz="8000" dirty="0">
                     <a:solidFill>
                       <a:schemeClr val="bg1"/>
                     </a:solidFill>
@@ -6033,7 +6193,7 @@
               </p:txBody>
             </p:sp>
           </mc:Choice>
-          <mc:Fallback xmlns="">
+          <mc:Fallback>
             <p:sp>
               <p:nvSpPr>
                 <p:cNvPr id="66" name="TextBox 65"/>
@@ -6044,16 +6204,16 @@
               </p:nvSpPr>
               <p:spPr>
                 <a:xfrm>
-                  <a:off x="2965913" y="4065186"/>
-                  <a:ext cx="2771216" cy="954107"/>
+                  <a:off x="4395207" y="3817948"/>
+                  <a:ext cx="310742" cy="1323439"/>
                 </a:xfrm>
                 <a:prstGeom prst="rect">
                   <a:avLst/>
                 </a:prstGeom>
                 <a:blipFill rotWithShape="0">
-                  <a:blip r:embed="rId10"/>
+                  <a:blip r:embed="rId20"/>
                   <a:stretch>
-                    <a:fillRect t="-7051" b="-17308"/>
+                    <a:fillRect l="-64706"/>
                   </a:stretch>
                 </a:blipFill>
               </p:spPr>
@@ -6072,219 +6232,85 @@
             </p:sp>
           </mc:Fallback>
         </mc:AlternateContent>
+        <p:cxnSp>
+          <p:nvCxnSpPr>
+            <p:cNvPr id="74" name="Straight Connector 73"/>
+            <p:cNvCxnSpPr>
+              <a:endCxn id="5" idx="1"/>
+            </p:cNvCxnSpPr>
+            <p:nvPr/>
+          </p:nvCxnSpPr>
+          <p:spPr>
+            <a:xfrm flipH="1" flipV="1">
+              <a:off x="2327279" y="2440512"/>
+              <a:ext cx="1738227" cy="1729811"/>
+            </a:xfrm>
+            <a:prstGeom prst="line">
+              <a:avLst/>
+            </a:prstGeom>
+            <a:ln w="25400">
+              <a:solidFill>
+                <a:schemeClr val="bg1"/>
+              </a:solidFill>
+              <a:prstDash val="dash"/>
+              <a:headEnd type="triangle"/>
+            </a:ln>
+          </p:spPr>
+          <p:style>
+            <a:lnRef idx="1">
+              <a:schemeClr val="accent3"/>
+            </a:lnRef>
+            <a:fillRef idx="0">
+              <a:schemeClr val="accent3"/>
+            </a:fillRef>
+            <a:effectRef idx="0">
+              <a:schemeClr val="accent3"/>
+            </a:effectRef>
+            <a:fontRef idx="minor">
+              <a:schemeClr val="tx1"/>
+            </a:fontRef>
+          </p:style>
+        </p:cxnSp>
+        <p:cxnSp>
+          <p:nvCxnSpPr>
+            <p:cNvPr id="81" name="Straight Connector 80"/>
+            <p:cNvCxnSpPr>
+              <a:endCxn id="5" idx="3"/>
+            </p:cNvCxnSpPr>
+            <p:nvPr/>
+          </p:nvCxnSpPr>
+          <p:spPr>
+            <a:xfrm flipH="1">
+              <a:off x="2327279" y="4968369"/>
+              <a:ext cx="1708297" cy="1619656"/>
+            </a:xfrm>
+            <a:prstGeom prst="line">
+              <a:avLst/>
+            </a:prstGeom>
+            <a:ln w="25400">
+              <a:solidFill>
+                <a:schemeClr val="bg1"/>
+              </a:solidFill>
+              <a:prstDash val="dash"/>
+              <a:headEnd type="triangle"/>
+            </a:ln>
+          </p:spPr>
+          <p:style>
+            <a:lnRef idx="1">
+              <a:schemeClr val="accent3"/>
+            </a:lnRef>
+            <a:fillRef idx="0">
+              <a:schemeClr val="accent3"/>
+            </a:fillRef>
+            <a:effectRef idx="0">
+              <a:schemeClr val="accent3"/>
+            </a:effectRef>
+            <a:fontRef idx="minor">
+              <a:schemeClr val="tx1"/>
+            </a:fontRef>
+          </p:style>
+        </p:cxnSp>
       </p:grpSp>
-      <mc:AlternateContent xmlns:mc="http://schemas.openxmlformats.org/markup-compatibility/2006">
-        <mc:Choice xmlns:a14="http://schemas.microsoft.com/office/drawing/2010/main" Requires="a14">
-          <p:sp>
-            <p:nvSpPr>
-              <p:cNvPr id="3" name="TextBox 2"/>
-              <p:cNvSpPr txBox="1"/>
-              <p:nvPr/>
-            </p:nvSpPr>
-            <p:spPr>
-              <a:xfrm>
-                <a:off x="694874" y="9794098"/>
-                <a:ext cx="8211452" cy="738664"/>
-              </a:xfrm>
-              <a:prstGeom prst="rect">
-                <a:avLst/>
-              </a:prstGeom>
-              <a:noFill/>
-            </p:spPr>
-            <p:txBody>
-              <a:bodyPr wrap="square" rtlCol="0">
-                <a:spAutoFit/>
-              </a:bodyPr>
-              <a:lstStyle/>
-              <a:p>
-                <a:r>
-                  <a:rPr lang="en-US" sz="1400" dirty="0">
-                    <a:latin typeface="Times New Roman" panose="02020603050405020304" pitchFamily="18" charset="0"/>
-                    <a:cs typeface="Times New Roman" panose="02020603050405020304" pitchFamily="18" charset="0"/>
-                  </a:rPr>
-                  <a:t>Figure 1: A multi-agent fire fighting scenario set up as a global </a:t>
-                </a:r>
-                <a:r>
-                  <a:rPr lang="en-US" sz="1400" dirty="0" smtClean="0">
-                    <a:latin typeface="Times New Roman" panose="02020603050405020304" pitchFamily="18" charset="0"/>
-                    <a:cs typeface="Times New Roman" panose="02020603050405020304" pitchFamily="18" charset="0"/>
-                  </a:rPr>
-                  <a:t>game with concurrent benefit.  </a:t>
-                </a:r>
-                <a:r>
-                  <a:rPr lang="en-US" sz="1400" dirty="0">
-                    <a:latin typeface="Times New Roman" panose="02020603050405020304" pitchFamily="18" charset="0"/>
-                    <a:cs typeface="Times New Roman" panose="02020603050405020304" pitchFamily="18" charset="0"/>
-                  </a:rPr>
-                  <a:t>Each player's imperfect estimate of the </a:t>
-                </a:r>
-                <a:r>
-                  <a:rPr lang="en-US" sz="1400" dirty="0" smtClean="0">
-                    <a:latin typeface="Times New Roman" panose="02020603050405020304" pitchFamily="18" charset="0"/>
-                    <a:cs typeface="Times New Roman" panose="02020603050405020304" pitchFamily="18" charset="0"/>
-                  </a:rPr>
-                  <a:t>magnitude of the fire is </a:t>
-                </a:r>
-                <a:r>
-                  <a:rPr lang="en-US" sz="1400" dirty="0">
-                    <a:latin typeface="Times New Roman" panose="02020603050405020304" pitchFamily="18" charset="0"/>
-                    <a:cs typeface="Times New Roman" panose="02020603050405020304" pitchFamily="18" charset="0"/>
-                  </a:rPr>
-                  <a:t>represented by </a:t>
-                </a:r>
-                <a14:m>
-                  <m:oMath xmlns:m="http://schemas.openxmlformats.org/officeDocument/2006/math">
-                    <m:sSub>
-                      <m:sSubPr>
-                        <m:ctrlPr>
-                          <a:rPr lang="en-US" sz="1400" i="1">
-                            <a:latin typeface="Cambria Math" panose="02040503050406030204" pitchFamily="18" charset="0"/>
-                          </a:rPr>
-                        </m:ctrlPr>
-                      </m:sSubPr>
-                      <m:e>
-                        <m:r>
-                          <a:rPr lang="en-US" sz="1400" i="1">
-                            <a:latin typeface="Cambria Math" panose="02040503050406030204" pitchFamily="18" charset="0"/>
-                          </a:rPr>
-                          <m:t>𝑥</m:t>
-                        </m:r>
-                      </m:e>
-                      <m:sub>
-                        <m:r>
-                          <a:rPr lang="en-US" sz="1400" i="1">
-                            <a:latin typeface="Cambria Math" panose="02040503050406030204" pitchFamily="18" charset="0"/>
-                          </a:rPr>
-                          <m:t>𝑖</m:t>
-                        </m:r>
-                      </m:sub>
-                    </m:sSub>
-                  </m:oMath>
-                </a14:m>
-                <a:r>
-                  <a:rPr lang="en-US" sz="1400" dirty="0">
-                    <a:latin typeface="Times New Roman" panose="02020603050405020304" pitchFamily="18" charset="0"/>
-                    <a:cs typeface="Times New Roman" panose="02020603050405020304" pitchFamily="18" charset="0"/>
-                  </a:rPr>
-                  <a:t>, </a:t>
-                </a:r>
-                <a:r>
-                  <a:rPr lang="en-US" sz="1400" dirty="0" smtClean="0">
-                    <a:latin typeface="Times New Roman" panose="02020603050405020304" pitchFamily="18" charset="0"/>
-                    <a:cs typeface="Times New Roman" panose="02020603050405020304" pitchFamily="18" charset="0"/>
-                  </a:rPr>
-                  <a:t>comprising the </a:t>
-                </a:r>
-                <a:r>
-                  <a:rPr lang="en-US" sz="1400" dirty="0" smtClean="0">
-                    <a:latin typeface="Times New Roman" panose="02020603050405020304" pitchFamily="18" charset="0"/>
-                    <a:cs typeface="Times New Roman" panose="02020603050405020304" pitchFamily="18" charset="0"/>
-                  </a:rPr>
-                  <a:t>common stimulus </a:t>
-                </a:r>
-                <a14:m>
-                  <m:oMath xmlns:m="http://schemas.openxmlformats.org/officeDocument/2006/math">
-                    <m:r>
-                      <a:rPr lang="en-US" sz="1400" i="1">
-                        <a:latin typeface="Cambria Math" panose="02040503050406030204" pitchFamily="18" charset="0"/>
-                      </a:rPr>
-                      <m:t>𝜏</m:t>
-                    </m:r>
-                  </m:oMath>
-                </a14:m>
-                <a:r>
-                  <a:rPr lang="en-US" sz="1400" dirty="0">
-                    <a:latin typeface="Times New Roman" panose="02020603050405020304" pitchFamily="18" charset="0"/>
-                    <a:cs typeface="Times New Roman" panose="02020603050405020304" pitchFamily="18" charset="0"/>
-                  </a:rPr>
-                  <a:t> and noisy sensor </a:t>
-                </a:r>
-                <a:r>
-                  <a:rPr lang="en-US" sz="1400" dirty="0" smtClean="0">
-                    <a:latin typeface="Times New Roman" panose="02020603050405020304" pitchFamily="18" charset="0"/>
-                    <a:cs typeface="Times New Roman" panose="02020603050405020304" pitchFamily="18" charset="0"/>
-                  </a:rPr>
-                  <a:t>measurements </a:t>
-                </a:r>
-                <a14:m>
-                  <m:oMath xmlns:m="http://schemas.openxmlformats.org/officeDocument/2006/math">
-                    <m:sSub>
-                      <m:sSubPr>
-                        <m:ctrlPr>
-                          <a:rPr lang="en-US" sz="1400" i="1">
-                            <a:latin typeface="Cambria Math" panose="02040503050406030204" pitchFamily="18" charset="0"/>
-                          </a:rPr>
-                        </m:ctrlPr>
-                      </m:sSubPr>
-                      <m:e>
-                        <m:r>
-                          <a:rPr lang="en-US" sz="1400" i="1">
-                            <a:latin typeface="Cambria Math" panose="02040503050406030204" pitchFamily="18" charset="0"/>
-                          </a:rPr>
-                          <m:t>𝜂</m:t>
-                        </m:r>
-                      </m:e>
-                      <m:sub>
-                        <m:r>
-                          <a:rPr lang="en-US" sz="1400" i="1">
-                            <a:latin typeface="Cambria Math" panose="02040503050406030204" pitchFamily="18" charset="0"/>
-                          </a:rPr>
-                          <m:t>𝑖</m:t>
-                        </m:r>
-                      </m:sub>
-                    </m:sSub>
-                  </m:oMath>
-                </a14:m>
-                <a:r>
-                  <a:rPr lang="en-US" sz="1400" dirty="0">
-                    <a:latin typeface="Times New Roman" panose="02020603050405020304" pitchFamily="18" charset="0"/>
-                    <a:cs typeface="Times New Roman" panose="02020603050405020304" pitchFamily="18" charset="0"/>
-                  </a:rPr>
-                  <a:t>.</a:t>
-                </a:r>
-              </a:p>
-            </p:txBody>
-          </p:sp>
-        </mc:Choice>
-        <mc:Fallback>
-          <p:sp>
-            <p:nvSpPr>
-              <p:cNvPr id="3" name="TextBox 2"/>
-              <p:cNvSpPr txBox="1">
-                <a:spLocks noRot="1" noChangeAspect="1" noMove="1" noResize="1" noEditPoints="1" noAdjustHandles="1" noChangeArrowheads="1" noChangeShapeType="1" noTextEdit="1"/>
-              </p:cNvSpPr>
-              <p:nvPr/>
-            </p:nvSpPr>
-            <p:spPr>
-              <a:xfrm>
-                <a:off x="694874" y="9794098"/>
-                <a:ext cx="8211452" cy="738664"/>
-              </a:xfrm>
-              <a:prstGeom prst="rect">
-                <a:avLst/>
-              </a:prstGeom>
-              <a:blipFill rotWithShape="0">
-                <a:blip r:embed="rId11"/>
-                <a:stretch>
-                  <a:fillRect l="-223" t="-1653" b="-7438"/>
-                </a:stretch>
-              </a:blipFill>
-            </p:spPr>
-            <p:txBody>
-              <a:bodyPr/>
-              <a:lstStyle/>
-              <a:p>
-                <a:r>
-                  <a:rPr lang="en-US">
-                    <a:noFill/>
-                  </a:rPr>
-                  <a:t> </a:t>
-                </a:r>
-              </a:p>
-            </p:txBody>
-          </p:sp>
-        </mc:Fallback>
-      </mc:AlternateContent>
     </p:spTree>
     <p:extLst>
       <p:ext uri="{BB962C8B-B14F-4D97-AF65-F5344CB8AC3E}">
@@ -6315,8 +6341,8 @@
           <a:chExt cx="0" cy="0"/>
         </a:xfrm>
       </p:grpSpPr>
-      <mc:AlternateContent xmlns:mc="http://schemas.openxmlformats.org/markup-compatibility/2006">
-        <mc:Choice xmlns:a14="http://schemas.microsoft.com/office/drawing/2010/main" Requires="a14">
+      <mc:AlternateContent xmlns:mc="http://schemas.openxmlformats.org/markup-compatibility/2006" xmlns:a14="http://schemas.microsoft.com/office/drawing/2010/main">
+        <mc:Choice Requires="a14">
           <p:sp>
             <p:nvSpPr>
               <p:cNvPr id="50" name="TextBox 49"/>
@@ -6344,21 +6370,7 @@
                     <a:latin typeface="Times New Roman" panose="02020603050405020304" pitchFamily="18" charset="0"/>
                     <a:cs typeface="Times New Roman" panose="02020603050405020304" pitchFamily="18" charset="0"/>
                   </a:rPr>
-                  <a:t>Figure 2: An ant foraging scenario presented as a global </a:t>
-                </a:r>
-                <a:r>
-                  <a:rPr lang="en-US" sz="1400" dirty="0" smtClean="0">
-                    <a:latin typeface="Times New Roman" panose="02020603050405020304" pitchFamily="18" charset="0"/>
-                    <a:cs typeface="Times New Roman" panose="02020603050405020304" pitchFamily="18" charset="0"/>
-                  </a:rPr>
-                  <a:t>game with concurrent benefit. </a:t>
-                </a:r>
-                <a:r>
-                  <a:rPr lang="en-US" sz="1400" dirty="0" smtClean="0">
-                    <a:latin typeface="Times New Roman" panose="02020603050405020304" pitchFamily="18" charset="0"/>
-                    <a:cs typeface="Times New Roman" panose="02020603050405020304" pitchFamily="18" charset="0"/>
-                  </a:rPr>
-                  <a:t>Each ant decides whether or not to participate in the food collecting task based on a number of environmental cues such as the travel time (</a:t>
+                  <a:t>Figure 2: An ant foraging scenario presented as a global game with concurrent benefit. Each ant decides whether or not to participate in the food collecting task based on a number of environmental cues such as the travel time (</a:t>
                 </a:r>
                 <a14:m>
                   <m:oMath xmlns:m="http://schemas.openxmlformats.org/officeDocument/2006/math">
@@ -6510,7 +6522,7 @@
             </p:txBody>
           </p:sp>
         </mc:Choice>
-        <mc:Fallback>
+        <mc:Fallback xmlns="">
           <p:sp>
             <p:nvSpPr>
               <p:cNvPr id="50" name="TextBox 49"/>
@@ -8653,7 +8665,7 @@
             </p:nvSpPr>
             <p:spPr>
               <a:xfrm>
-                <a:off x="825417" y="7326634"/>
+                <a:off x="773873" y="6865121"/>
                 <a:ext cx="7871322" cy="1169551"/>
               </a:xfrm>
               <a:prstGeom prst="rect">
@@ -8807,7 +8819,7 @@
             </p:nvSpPr>
             <p:spPr>
               <a:xfrm>
-                <a:off x="825417" y="7326634"/>
+                <a:off x="773873" y="6865121"/>
                 <a:ext cx="7871322" cy="1169551"/>
               </a:xfrm>
               <a:prstGeom prst="rect">
@@ -8816,7 +8828,7 @@
               <a:blipFill rotWithShape="0">
                 <a:blip r:embed="rId2"/>
                 <a:stretch>
-                  <a:fillRect l="-232" t="-1042" r="-464" b="-4167"/>
+                  <a:fillRect l="-232" t="-1042" r="-542" b="-4688"/>
                 </a:stretch>
               </a:blipFill>
             </p:spPr>
@@ -8837,278 +8849,59 @@
       </mc:AlternateContent>
       <p:grpSp>
         <p:nvGrpSpPr>
-          <p:cNvPr id="1044" name="Group 1043"/>
+          <p:cNvPr id="3" name="Group 2"/>
           <p:cNvGrpSpPr/>
           <p:nvPr/>
         </p:nvGrpSpPr>
         <p:grpSpPr>
           <a:xfrm>
-            <a:off x="763478" y="437322"/>
-            <a:ext cx="7933261" cy="6611717"/>
-            <a:chOff x="763478" y="467139"/>
-            <a:chExt cx="7933261" cy="6611717"/>
+            <a:off x="1922451" y="725557"/>
+            <a:ext cx="5677253" cy="5779427"/>
+            <a:chOff x="622320" y="437322"/>
+            <a:chExt cx="5677253" cy="5779427"/>
           </a:xfrm>
         </p:grpSpPr>
-        <mc:AlternateContent xmlns:mc="http://schemas.openxmlformats.org/markup-compatibility/2006">
-          <mc:Choice xmlns:a14="http://schemas.microsoft.com/office/drawing/2010/main" Requires="a14">
-            <p:sp>
-              <p:nvSpPr>
-                <p:cNvPr id="87" name="Cloud Callout 86"/>
-                <p:cNvSpPr/>
-                <p:nvPr/>
-              </p:nvSpPr>
-              <p:spPr>
-                <a:xfrm>
-                  <a:off x="4517911" y="3263974"/>
-                  <a:ext cx="2755697" cy="980967"/>
-                </a:xfrm>
-                <a:prstGeom prst="cloudCallout">
-                  <a:avLst>
-                    <a:gd name="adj1" fmla="val -5068"/>
-                    <a:gd name="adj2" fmla="val 102965"/>
-                  </a:avLst>
-                </a:prstGeom>
-              </p:spPr>
-              <p:style>
-                <a:lnRef idx="2">
-                  <a:schemeClr val="dk1"/>
-                </a:lnRef>
-                <a:fillRef idx="1">
-                  <a:schemeClr val="lt1"/>
-                </a:fillRef>
-                <a:effectRef idx="0">
-                  <a:schemeClr val="dk1"/>
-                </a:effectRef>
-                <a:fontRef idx="minor">
-                  <a:schemeClr val="dk1"/>
-                </a:fontRef>
-              </p:style>
-              <p:txBody>
-                <a:bodyPr rtlCol="0" anchor="ctr"/>
-                <a:lstStyle/>
-                <a:p>
-                  <a:pPr algn="ctr"/>
-                  <a14:m>
-                    <m:oMathPara xmlns:m="http://schemas.openxmlformats.org/officeDocument/2006/math">
-                      <m:oMathParaPr>
-                        <m:jc m:val="centerGroup"/>
-                      </m:oMathParaPr>
-                      <m:oMath xmlns:m="http://schemas.openxmlformats.org/officeDocument/2006/math">
-                        <m:sSub>
-                          <m:sSubPr>
-                            <m:ctrlPr>
-                              <a:rPr lang="en-US" b="0" i="1" smtClean="0">
-                                <a:latin typeface="Cambria Math" panose="02040503050406030204" pitchFamily="18" charset="0"/>
-                              </a:rPr>
-                            </m:ctrlPr>
-                          </m:sSubPr>
-                          <m:e>
-                            <m:r>
-                              <a:rPr lang="en-US" b="0" i="1" smtClean="0">
-                                <a:latin typeface="Cambria Math" panose="02040503050406030204" pitchFamily="18" charset="0"/>
-                              </a:rPr>
-                              <m:t>𝑥</m:t>
-                            </m:r>
-                          </m:e>
-                          <m:sub>
-                            <m:r>
-                              <a:rPr lang="en-US" b="0" i="1" smtClean="0">
-                                <a:latin typeface="Cambria Math" panose="02040503050406030204" pitchFamily="18" charset="0"/>
-                              </a:rPr>
-                              <m:t>4</m:t>
-                            </m:r>
-                          </m:sub>
-                        </m:sSub>
-                        <m:r>
-                          <a:rPr lang="en-US" b="0" i="1" smtClean="0">
-                            <a:latin typeface="Cambria Math" panose="02040503050406030204" pitchFamily="18" charset="0"/>
-                          </a:rPr>
-                          <m:t>=</m:t>
-                        </m:r>
-                        <m:r>
-                          <a:rPr lang="en-US" b="0" i="1" smtClean="0">
-                            <a:latin typeface="Cambria Math" panose="02040503050406030204" pitchFamily="18" charset="0"/>
-                          </a:rPr>
-                          <m:t>𝜏</m:t>
-                        </m:r>
-                        <m:r>
-                          <a:rPr lang="en-US" b="0" i="1" smtClean="0">
-                            <a:latin typeface="Cambria Math" panose="02040503050406030204" pitchFamily="18" charset="0"/>
-                          </a:rPr>
-                          <m:t>+</m:t>
-                        </m:r>
-                        <m:sSub>
-                          <m:sSubPr>
-                            <m:ctrlPr>
-                              <a:rPr lang="en-US" b="0" i="1" smtClean="0">
-                                <a:latin typeface="Cambria Math" panose="02040503050406030204" pitchFamily="18" charset="0"/>
-                              </a:rPr>
-                            </m:ctrlPr>
-                          </m:sSubPr>
-                          <m:e>
-                            <m:r>
-                              <a:rPr lang="en-US" b="0" i="1" smtClean="0">
-                                <a:latin typeface="Cambria Math" panose="02040503050406030204" pitchFamily="18" charset="0"/>
-                              </a:rPr>
-                              <m:t>𝜂</m:t>
-                            </m:r>
-                          </m:e>
-                          <m:sub>
-                            <m:r>
-                              <a:rPr lang="en-US" b="0" i="1" smtClean="0">
-                                <a:latin typeface="Cambria Math" panose="02040503050406030204" pitchFamily="18" charset="0"/>
-                              </a:rPr>
-                              <m:t>4</m:t>
-                            </m:r>
-                          </m:sub>
-                        </m:sSub>
-                      </m:oMath>
-                    </m:oMathPara>
-                  </a14:m>
-                  <a:endParaRPr lang="en-US" dirty="0"/>
-                </a:p>
-              </p:txBody>
-            </p:sp>
-          </mc:Choice>
-          <mc:Fallback>
-            <p:sp>
-              <p:nvSpPr>
-                <p:cNvPr id="87" name="Cloud Callout 86"/>
-                <p:cNvSpPr>
-                  <a:spLocks noRot="1" noChangeAspect="1" noMove="1" noResize="1" noEditPoints="1" noAdjustHandles="1" noChangeArrowheads="1" noChangeShapeType="1" noTextEdit="1"/>
-                </p:cNvSpPr>
-                <p:nvPr/>
-              </p:nvSpPr>
-              <p:spPr>
-                <a:xfrm>
-                  <a:off x="4517911" y="3263974"/>
-                  <a:ext cx="2755697" cy="980967"/>
-                </a:xfrm>
-                <a:prstGeom prst="cloudCallout">
-                  <a:avLst>
-                    <a:gd name="adj1" fmla="val -5068"/>
-                    <a:gd name="adj2" fmla="val 102965"/>
-                  </a:avLst>
-                </a:prstGeom>
-                <a:blipFill rotWithShape="0">
-                  <a:blip r:embed="rId3"/>
-                  <a:stretch>
-                    <a:fillRect/>
-                  </a:stretch>
-                </a:blipFill>
-              </p:spPr>
-              <p:txBody>
-                <a:bodyPr/>
-                <a:lstStyle/>
-                <a:p>
-                  <a:r>
-                    <a:rPr lang="en-US">
-                      <a:noFill/>
-                    </a:rPr>
-                    <a:t> </a:t>
-                  </a:r>
-                </a:p>
-              </p:txBody>
-            </p:sp>
-          </mc:Fallback>
-        </mc:AlternateContent>
-        <p:grpSp>
-          <p:nvGrpSpPr>
-            <p:cNvPr id="6" name="Group 5"/>
-            <p:cNvGrpSpPr/>
+        <p:pic>
+          <p:nvPicPr>
+            <p:cNvPr id="1038" name="Picture 14" descr="http://pixabay.com/static/uploads/photo/2014/03/24/17/07/crowd-295069_640.png"/>
+            <p:cNvPicPr>
+              <a:picLocks noChangeAspect="1" noChangeArrowheads="1"/>
+            </p:cNvPicPr>
             <p:nvPr/>
-          </p:nvGrpSpPr>
-          <p:grpSpPr>
-            <a:xfrm>
-              <a:off x="825417" y="4859666"/>
-              <a:ext cx="7871322" cy="2219190"/>
-              <a:chOff x="105880" y="3963287"/>
-              <a:chExt cx="9564894" cy="3248026"/>
-            </a:xfrm>
-          </p:grpSpPr>
-          <p:pic>
-            <p:nvPicPr>
-              <p:cNvPr id="1038" name="Picture 14" descr="http://pixabay.com/static/uploads/photo/2014/03/24/17/07/crowd-295069_640.png"/>
-              <p:cNvPicPr>
-                <a:picLocks noChangeAspect="1" noChangeArrowheads="1"/>
-              </p:cNvPicPr>
-              <p:nvPr/>
-            </p:nvPicPr>
-            <p:blipFill>
-              <a:blip r:embed="rId4">
-                <a:extLst>
-                  <a:ext uri="{28A0092B-C50C-407E-A947-70E740481C1C}">
-                    <a14:useLocalDpi xmlns:a14="http://schemas.microsoft.com/office/drawing/2010/main" val="0"/>
-                  </a:ext>
-                </a:extLst>
-              </a:blip>
-              <a:srcRect/>
-              <a:stretch>
-                <a:fillRect/>
-              </a:stretch>
-            </p:blipFill>
-            <p:spPr bwMode="auto">
-              <a:xfrm>
-                <a:off x="105880" y="3963287"/>
-                <a:ext cx="6096000" cy="3248026"/>
-              </a:xfrm>
-              <a:prstGeom prst="rect">
-                <a:avLst/>
-              </a:prstGeom>
-              <a:noFill/>
+          </p:nvPicPr>
+          <p:blipFill>
+            <a:blip r:embed="rId3">
               <a:extLst>
-                <a:ext uri="{909E8E84-426E-40DD-AFC4-6F175D3DCCD1}">
-                  <a14:hiddenFill xmlns:a14="http://schemas.microsoft.com/office/drawing/2010/main">
-                    <a:solidFill>
-                      <a:srgbClr val="FFFFFF"/>
-                    </a:solidFill>
-                  </a14:hiddenFill>
+                <a:ext uri="{28A0092B-C50C-407E-A947-70E740481C1C}">
+                  <a14:useLocalDpi xmlns:a14="http://schemas.microsoft.com/office/drawing/2010/main" val="0"/>
                 </a:ext>
               </a:extLst>
-            </p:spPr>
-          </p:pic>
-          <p:pic>
-            <p:nvPicPr>
-              <p:cNvPr id="14" name="Picture 14" descr="http://pixabay.com/static/uploads/photo/2014/03/24/17/07/crowd-295069_640.png"/>
-              <p:cNvPicPr>
-                <a:picLocks noChangeAspect="1" noChangeArrowheads="1"/>
-              </p:cNvPicPr>
-              <p:nvPr/>
-            </p:nvPicPr>
-            <p:blipFill>
-              <a:blip r:embed="rId4">
-                <a:extLst>
-                  <a:ext uri="{28A0092B-C50C-407E-A947-70E740481C1C}">
-                    <a14:useLocalDpi xmlns:a14="http://schemas.microsoft.com/office/drawing/2010/main" val="0"/>
-                  </a:ext>
-                </a:extLst>
-              </a:blip>
-              <a:srcRect/>
-              <a:stretch>
-                <a:fillRect/>
-              </a:stretch>
-            </p:blipFill>
-            <p:spPr bwMode="auto">
-              <a:xfrm>
-                <a:off x="3574774" y="3963287"/>
-                <a:ext cx="6096000" cy="3248026"/>
-              </a:xfrm>
-              <a:prstGeom prst="rect">
-                <a:avLst/>
-              </a:prstGeom>
-              <a:noFill/>
-              <a:extLst>
-                <a:ext uri="{909E8E84-426E-40DD-AFC4-6F175D3DCCD1}">
-                  <a14:hiddenFill xmlns:a14="http://schemas.microsoft.com/office/drawing/2010/main">
-                    <a:solidFill>
-                      <a:srgbClr val="FFFFFF"/>
-                    </a:solidFill>
-                  </a14:hiddenFill>
-                </a:ext>
-              </a:extLst>
-            </p:spPr>
-          </p:pic>
-        </p:grpSp>
+            </a:blip>
+            <a:srcRect/>
+            <a:stretch>
+              <a:fillRect/>
+            </a:stretch>
+          </p:blipFill>
+          <p:spPr bwMode="auto">
+            <a:xfrm>
+              <a:off x="751654" y="3997559"/>
+              <a:ext cx="5016635" cy="2219190"/>
+            </a:xfrm>
+            <a:prstGeom prst="rect">
+              <a:avLst/>
+            </a:prstGeom>
+            <a:noFill/>
+            <a:extLst>
+              <a:ext uri="{909E8E84-426E-40DD-AFC4-6F175D3DCCD1}">
+                <a14:hiddenFill xmlns:a14="http://schemas.microsoft.com/office/drawing/2010/main">
+                  <a:solidFill>
+                    <a:srgbClr val="FFFFFF"/>
+                  </a:solidFill>
+                </a14:hiddenFill>
+              </a:ext>
+            </a:extLst>
+          </p:spPr>
+        </p:pic>
         <p:grpSp>
           <p:nvGrpSpPr>
             <p:cNvPr id="1029" name="Group 1028"/>
@@ -9117,10 +8910,10 @@
           </p:nvGrpSpPr>
           <p:grpSpPr>
             <a:xfrm>
-              <a:off x="1094017" y="467139"/>
-              <a:ext cx="7334122" cy="2720723"/>
-              <a:chOff x="228600" y="298174"/>
-              <a:chExt cx="9243391" cy="3429000"/>
+              <a:off x="622320" y="437322"/>
+              <a:ext cx="5677253" cy="2720723"/>
+              <a:chOff x="-365892" y="298174"/>
+              <a:chExt cx="7155194" cy="3429000"/>
             </a:xfrm>
           </p:grpSpPr>
           <p:sp>
@@ -9131,8 +8924,8 @@
             </p:nvSpPr>
             <p:spPr>
               <a:xfrm>
-                <a:off x="228600" y="298174"/>
-                <a:ext cx="9243391" cy="3429000"/>
+                <a:off x="-365892" y="298174"/>
+                <a:ext cx="7155194" cy="3429000"/>
               </a:xfrm>
               <a:prstGeom prst="roundRect">
                 <a:avLst/>
@@ -9142,7 +8935,7 @@
               <a:lnRef idx="2">
                 <a:schemeClr val="dk1"/>
               </a:lnRef>
-              <a:fillRef idx="1">
+              <a:fillRef idx="1003">
                 <a:schemeClr val="lt1"/>
               </a:fillRef>
               <a:effectRef idx="0">
@@ -9170,7 +8963,7 @@
               <p:nvPr/>
             </p:nvPicPr>
             <p:blipFill rotWithShape="1">
-              <a:blip r:embed="rId5">
+              <a:blip r:embed="rId4">
                 <a:clrChange>
                   <a:clrFrom>
                     <a:srgbClr val="FFFFFF"/>
@@ -9192,100 +8985,8 @@
             </p:blipFill>
             <p:spPr bwMode="auto">
               <a:xfrm>
-                <a:off x="2958411" y="534288"/>
-                <a:ext cx="2661714" cy="2361618"/>
-              </a:xfrm>
-              <a:prstGeom prst="rect">
-                <a:avLst/>
-              </a:prstGeom>
-              <a:noFill/>
-              <a:extLst>
-                <a:ext uri="{909E8E84-426E-40DD-AFC4-6F175D3DCCD1}">
-                  <a14:hiddenFill xmlns:a14="http://schemas.microsoft.com/office/drawing/2010/main">
-                    <a:solidFill>
-                      <a:srgbClr val="FFFFFF"/>
-                    </a:solidFill>
-                  </a14:hiddenFill>
-                </a:ext>
-              </a:extLst>
-            </p:spPr>
-          </p:pic>
-          <p:pic>
-            <p:nvPicPr>
-              <p:cNvPr id="1032" name="Picture 8" descr="http://upload.wikimedia.org/wikipedia/commons/5/51/Greek_debt_and_EU_average.png"/>
-              <p:cNvPicPr>
-                <a:picLocks noChangeAspect="1" noChangeArrowheads="1"/>
-              </p:cNvPicPr>
-              <p:nvPr/>
-            </p:nvPicPr>
-            <p:blipFill>
-              <a:blip r:embed="rId6" cstate="print">
-                <a:clrChange>
-                  <a:clrFrom>
-                    <a:srgbClr val="FFFFFF"/>
-                  </a:clrFrom>
-                  <a:clrTo>
-                    <a:srgbClr val="FFFFFF">
-                      <a:alpha val="0"/>
-                    </a:srgbClr>
-                  </a:clrTo>
-                </a:clrChange>
-                <a:extLst>
-                  <a:ext uri="{28A0092B-C50C-407E-A947-70E740481C1C}">
-                    <a14:useLocalDpi xmlns:a14="http://schemas.microsoft.com/office/drawing/2010/main" val="0"/>
-                  </a:ext>
-                </a:extLst>
-              </a:blip>
-              <a:srcRect/>
-              <a:stretch>
-                <a:fillRect/>
-              </a:stretch>
-            </p:blipFill>
-            <p:spPr bwMode="auto">
-              <a:xfrm>
-                <a:off x="228600" y="534287"/>
-                <a:ext cx="2665987" cy="2735687"/>
-              </a:xfrm>
-              <a:prstGeom prst="rect">
-                <a:avLst/>
-              </a:prstGeom>
-              <a:noFill/>
-              <a:extLst>
-                <a:ext uri="{909E8E84-426E-40DD-AFC4-6F175D3DCCD1}">
-                  <a14:hiddenFill xmlns:a14="http://schemas.microsoft.com/office/drawing/2010/main">
-                    <a:solidFill>
-                      <a:srgbClr val="FFFFFF"/>
-                    </a:solidFill>
-                  </a14:hiddenFill>
-                </a:ext>
-              </a:extLst>
-            </p:spPr>
-          </p:pic>
-          <p:pic>
-            <p:nvPicPr>
-              <p:cNvPr id="1034" name="Picture 10" descr="https://farm8.staticflickr.com/7303/15901454213_8576cf7456_o_d.jpg"/>
-              <p:cNvPicPr>
-                <a:picLocks noChangeAspect="1" noChangeArrowheads="1"/>
-              </p:cNvPicPr>
-              <p:nvPr/>
-            </p:nvPicPr>
-            <p:blipFill>
-              <a:blip r:embed="rId7">
-                <a:extLst>
-                  <a:ext uri="{28A0092B-C50C-407E-A947-70E740481C1C}">
-                    <a14:useLocalDpi xmlns:a14="http://schemas.microsoft.com/office/drawing/2010/main" val="0"/>
-                  </a:ext>
-                </a:extLst>
-              </a:blip>
-              <a:srcRect/>
-              <a:stretch>
-                <a:fillRect/>
-              </a:stretch>
-            </p:blipFill>
-            <p:spPr bwMode="auto">
-              <a:xfrm>
-                <a:off x="5874026" y="710465"/>
-                <a:ext cx="3190449" cy="2210081"/>
+                <a:off x="3249370" y="415920"/>
+                <a:ext cx="3062486" cy="2717204"/>
               </a:xfrm>
               <a:prstGeom prst="rect">
                 <a:avLst/>
@@ -9312,7 +9013,7 @@
                 </p:nvSpPr>
                 <p:spPr>
                   <a:xfrm>
-                    <a:off x="4289268" y="3046947"/>
+                    <a:off x="3084425" y="3091804"/>
                     <a:ext cx="254557" cy="430887"/>
                   </a:xfrm>
                   <a:prstGeom prst="rect">
@@ -9326,6 +9027,7 @@
                   </a:bodyPr>
                   <a:lstStyle/>
                   <a:p>
+                    <a:pPr/>
                     <a14:m>
                       <m:oMathPara xmlns:m="http://schemas.openxmlformats.org/officeDocument/2006/math">
                         <m:oMathParaPr>
@@ -9357,14 +9059,14 @@
                 </p:nvSpPr>
                 <p:spPr>
                   <a:xfrm>
-                    <a:off x="4289268" y="3046947"/>
+                    <a:off x="3084425" y="3091804"/>
                     <a:ext cx="254557" cy="430887"/>
                   </a:xfrm>
                   <a:prstGeom prst="rect">
                     <a:avLst/>
                   </a:prstGeom>
                   <a:blipFill rotWithShape="0">
-                    <a:blip r:embed="rId8"/>
+                    <a:blip r:embed="rId5"/>
                     <a:stretch>
                       <a:fillRect/>
                     </a:stretch>
@@ -9386,47 +9088,6 @@
             </mc:Fallback>
           </mc:AlternateContent>
         </p:grpSp>
-        <p:sp>
-          <p:nvSpPr>
-            <p:cNvPr id="51" name="Cloud Callout 50"/>
-            <p:cNvSpPr/>
-            <p:nvPr/>
-          </p:nvSpPr>
-          <p:spPr>
-            <a:xfrm>
-              <a:off x="1997264" y="3529668"/>
-              <a:ext cx="2636483" cy="980967"/>
-            </a:xfrm>
-            <a:prstGeom prst="cloudCallout">
-              <a:avLst>
-                <a:gd name="adj1" fmla="val -17116"/>
-                <a:gd name="adj2" fmla="val 82701"/>
-              </a:avLst>
-            </a:prstGeom>
-          </p:spPr>
-          <p:style>
-            <a:lnRef idx="2">
-              <a:schemeClr val="dk1"/>
-            </a:lnRef>
-            <a:fillRef idx="1">
-              <a:schemeClr val="lt1"/>
-            </a:fillRef>
-            <a:effectRef idx="0">
-              <a:schemeClr val="dk1"/>
-            </a:effectRef>
-            <a:fontRef idx="minor">
-              <a:schemeClr val="dk1"/>
-            </a:fontRef>
-          </p:style>
-          <p:txBody>
-            <a:bodyPr rtlCol="0" anchor="ctr"/>
-            <a:lstStyle/>
-            <a:p>
-              <a:pPr algn="ctr"/>
-              <a:endParaRPr lang="en-US" dirty="0"/>
-            </a:p>
-          </p:txBody>
-        </p:sp>
         <mc:AlternateContent xmlns:mc="http://schemas.openxmlformats.org/markup-compatibility/2006">
           <mc:Choice xmlns:a14="http://schemas.microsoft.com/office/drawing/2010/main" Requires="a14">
             <p:sp>
@@ -9437,7 +9098,7 @@
               </p:nvSpPr>
               <p:spPr>
                 <a:xfrm>
-                  <a:off x="3153694" y="3601104"/>
+                  <a:off x="3571138" y="3332520"/>
                   <a:ext cx="2728435" cy="980967"/>
                 </a:xfrm>
                 <a:prstGeom prst="cloudCallout">
@@ -9559,7 +9220,7 @@
               </p:nvSpPr>
               <p:spPr>
                 <a:xfrm>
-                  <a:off x="3153694" y="3601104"/>
+                  <a:off x="3571138" y="3332520"/>
                   <a:ext cx="2728435" cy="980967"/>
                 </a:xfrm>
                 <a:prstGeom prst="cloudCallout">
@@ -9569,7 +9230,7 @@
                   </a:avLst>
                 </a:prstGeom>
                 <a:blipFill rotWithShape="0">
-                  <a:blip r:embed="rId9"/>
+                  <a:blip r:embed="rId6"/>
                   <a:stretch>
                     <a:fillRect/>
                   </a:stretch>
@@ -9600,7 +9261,7 @@
               </p:nvSpPr>
               <p:spPr>
                 <a:xfrm>
-                  <a:off x="763478" y="3690662"/>
+                  <a:off x="622320" y="3637422"/>
                   <a:ext cx="2713320" cy="980967"/>
                 </a:xfrm>
                 <a:prstGeom prst="cloudCallout">
@@ -9722,7 +9383,7 @@
               </p:nvSpPr>
               <p:spPr>
                 <a:xfrm>
-                  <a:off x="763478" y="3690662"/>
+                  <a:off x="622320" y="3637422"/>
                   <a:ext cx="2713320" cy="980967"/>
                 </a:xfrm>
                 <a:prstGeom prst="cloudCallout">
@@ -9732,7 +9393,7 @@
                   </a:avLst>
                 </a:prstGeom>
                 <a:blipFill rotWithShape="0">
-                  <a:blip r:embed="rId10"/>
+                  <a:blip r:embed="rId7"/>
                   <a:stretch>
                     <a:fillRect/>
                   </a:stretch>
@@ -9763,7 +9424,7 @@
               </p:nvSpPr>
               <p:spPr>
                 <a:xfrm>
-                  <a:off x="5685140" y="3645883"/>
+                  <a:off x="1544886" y="3019218"/>
                   <a:ext cx="2728435" cy="980967"/>
                 </a:xfrm>
                 <a:prstGeom prst="cloudCallout">
@@ -9885,7 +9546,7 @@
               </p:nvSpPr>
               <p:spPr>
                 <a:xfrm>
-                  <a:off x="5685140" y="3645883"/>
+                  <a:off x="1544886" y="3019218"/>
                   <a:ext cx="2728435" cy="980967"/>
                 </a:xfrm>
                 <a:prstGeom prst="cloudCallout">
@@ -9895,7 +9556,7 @@
                   </a:avLst>
                 </a:prstGeom>
                 <a:blipFill rotWithShape="0">
-                  <a:blip r:embed="rId11"/>
+                  <a:blip r:embed="rId8"/>
                   <a:stretch>
                     <a:fillRect/>
                   </a:stretch>
@@ -9916,6 +9577,45 @@
             </p:sp>
           </mc:Fallback>
         </mc:AlternateContent>
+        <p:pic>
+          <p:nvPicPr>
+            <p:cNvPr id="2" name="Picture 2" descr="https://upload.wikimedia.org/wikipedia/commons/thumb/c/c5/ATM_Masalli.jpg/800px-ATM_Masalli.jpg"/>
+            <p:cNvPicPr>
+              <a:picLocks noChangeAspect="1" noChangeArrowheads="1"/>
+            </p:cNvPicPr>
+            <p:nvPr/>
+          </p:nvPicPr>
+          <p:blipFill rotWithShape="1">
+            <a:blip r:embed="rId9" cstate="print">
+              <a:extLst>
+                <a:ext uri="{28A0092B-C50C-407E-A947-70E740481C1C}">
+                  <a14:useLocalDpi xmlns:a14="http://schemas.microsoft.com/office/drawing/2010/main" val="0"/>
+                </a:ext>
+              </a:extLst>
+            </a:blip>
+            <a:srcRect l="4628" t="11209" r="14695" b="839"/>
+            <a:stretch/>
+          </p:blipFill>
+          <p:spPr bwMode="auto">
+            <a:xfrm>
+              <a:off x="825417" y="647887"/>
+              <a:ext cx="2583986" cy="2038811"/>
+            </a:xfrm>
+            <a:prstGeom prst="rect">
+              <a:avLst/>
+            </a:prstGeom>
+            <a:noFill/>
+            <a:extLst>
+              <a:ext uri="{909E8E84-426E-40DD-AFC4-6F175D3DCCD1}">
+                <a14:hiddenFill xmlns:a14="http://schemas.microsoft.com/office/drawing/2010/main">
+                  <a:solidFill>
+                    <a:srgbClr val="FFFFFF"/>
+                  </a:solidFill>
+                </a14:hiddenFill>
+              </a:ext>
+            </a:extLst>
+          </p:spPr>
+        </p:pic>
       </p:grpSp>
     </p:spTree>
     <p:extLst>
@@ -9977,8 +9677,8 @@
           </a:prstGeom>
         </p:spPr>
       </p:pic>
-      <mc:AlternateContent xmlns:mc="http://schemas.openxmlformats.org/markup-compatibility/2006">
-        <mc:Choice xmlns:a14="http://schemas.microsoft.com/office/drawing/2010/main" Requires="a14">
+      <mc:AlternateContent xmlns:mc="http://schemas.openxmlformats.org/markup-compatibility/2006" xmlns:a14="http://schemas.microsoft.com/office/drawing/2010/main">
+        <mc:Choice Requires="a14">
           <p:sp>
             <p:nvSpPr>
               <p:cNvPr id="5" name="TextBox 4"/>
@@ -10006,21 +9706,7 @@
                     <a:latin typeface="Times New Roman" panose="02020603050405020304" pitchFamily="18" charset="0"/>
                     <a:cs typeface="Times New Roman" panose="02020603050405020304" pitchFamily="18" charset="0"/>
                   </a:rPr>
-                  <a:t>Figure </a:t>
-                </a:r>
-                <a:r>
-                  <a:rPr lang="en-US" sz="1400" dirty="0" smtClean="0">
-                    <a:latin typeface="Times New Roman" panose="02020603050405020304" pitchFamily="18" charset="0"/>
-                    <a:cs typeface="Times New Roman" panose="02020603050405020304" pitchFamily="18" charset="0"/>
-                  </a:rPr>
-                  <a:t>4: </a:t>
-                </a:r>
-                <a:r>
-                  <a:rPr lang="en-US" sz="1400" dirty="0" smtClean="0">
-                    <a:latin typeface="Times New Roman" panose="02020603050405020304" pitchFamily="18" charset="0"/>
-                    <a:cs typeface="Times New Roman" panose="02020603050405020304" pitchFamily="18" charset="0"/>
-                  </a:rPr>
-                  <a:t>Visualization of Theorem 2 as </a:t>
+                  <a:t>Figure 4: Visualization of Theorem 2 as </a:t>
                 </a:r>
                 <a14:m>
                   <m:oMath xmlns:m="http://schemas.openxmlformats.org/officeDocument/2006/math">
@@ -10524,7 +10210,7 @@
             </p:txBody>
           </p:sp>
         </mc:Choice>
-        <mc:Fallback>
+        <mc:Fallback xmlns="">
           <p:sp>
             <p:nvSpPr>
               <p:cNvPr id="5" name="TextBox 4"/>
